--- a/ECE584_Final_Presentation.pptx
+++ b/ECE584_Final_Presentation.pptx
@@ -210,7 +210,7 @@
           <a:p>
             <a:fld id="{88F9936D-937D-4547-8FF3-55725258598B}" type="datetimeFigureOut">
               <a:rPr lang="zh-CN" altLang="en-US" smtClean="0"/>
-              <a:t>2019/12/1</a:t>
+              <a:t>2019/12/2</a:t>
             </a:fld>
             <a:endParaRPr lang="zh-CN" altLang="en-US"/>
           </a:p>
@@ -1045,7 +1045,7 @@
           <a:p>
             <a:fld id="{8FD1540C-2377-41F4-8233-609BD7814349}" type="datetimeFigureOut">
               <a:rPr lang="zh-CN" altLang="en-US" smtClean="0"/>
-              <a:t>2019/12/1</a:t>
+              <a:t>2019/12/2</a:t>
             </a:fld>
             <a:endParaRPr lang="zh-CN" altLang="en-US"/>
           </a:p>
@@ -1215,7 +1215,7 @@
           <a:p>
             <a:fld id="{8FD1540C-2377-41F4-8233-609BD7814349}" type="datetimeFigureOut">
               <a:rPr lang="zh-CN" altLang="en-US" smtClean="0"/>
-              <a:t>2019/12/1</a:t>
+              <a:t>2019/12/2</a:t>
             </a:fld>
             <a:endParaRPr lang="zh-CN" altLang="en-US"/>
           </a:p>
@@ -1395,7 +1395,7 @@
           <a:p>
             <a:fld id="{8FD1540C-2377-41F4-8233-609BD7814349}" type="datetimeFigureOut">
               <a:rPr lang="zh-CN" altLang="en-US" smtClean="0"/>
-              <a:t>2019/12/1</a:t>
+              <a:t>2019/12/2</a:t>
             </a:fld>
             <a:endParaRPr lang="zh-CN" altLang="en-US"/>
           </a:p>
@@ -1924,7 +1924,7 @@
           <a:p>
             <a:fld id="{8FD1540C-2377-41F4-8233-609BD7814349}" type="datetimeFigureOut">
               <a:rPr lang="zh-CN" altLang="en-US" smtClean="0"/>
-              <a:t>2019/12/1</a:t>
+              <a:t>2019/12/2</a:t>
             </a:fld>
             <a:endParaRPr lang="zh-CN" altLang="en-US"/>
           </a:p>
@@ -2170,7 +2170,7 @@
           <a:p>
             <a:fld id="{8FD1540C-2377-41F4-8233-609BD7814349}" type="datetimeFigureOut">
               <a:rPr lang="zh-CN" altLang="en-US" smtClean="0"/>
-              <a:t>2019/12/1</a:t>
+              <a:t>2019/12/2</a:t>
             </a:fld>
             <a:endParaRPr lang="zh-CN" altLang="en-US"/>
           </a:p>
@@ -2402,7 +2402,7 @@
           <a:p>
             <a:fld id="{8FD1540C-2377-41F4-8233-609BD7814349}" type="datetimeFigureOut">
               <a:rPr lang="zh-CN" altLang="en-US" smtClean="0"/>
-              <a:t>2019/12/1</a:t>
+              <a:t>2019/12/2</a:t>
             </a:fld>
             <a:endParaRPr lang="zh-CN" altLang="en-US"/>
           </a:p>
@@ -2769,7 +2769,7 @@
           <a:p>
             <a:fld id="{8FD1540C-2377-41F4-8233-609BD7814349}" type="datetimeFigureOut">
               <a:rPr lang="zh-CN" altLang="en-US" smtClean="0"/>
-              <a:t>2019/12/1</a:t>
+              <a:t>2019/12/2</a:t>
             </a:fld>
             <a:endParaRPr lang="zh-CN" altLang="en-US"/>
           </a:p>
@@ -2887,7 +2887,7 @@
           <a:p>
             <a:fld id="{8FD1540C-2377-41F4-8233-609BD7814349}" type="datetimeFigureOut">
               <a:rPr lang="zh-CN" altLang="en-US" smtClean="0"/>
-              <a:t>2019/12/1</a:t>
+              <a:t>2019/12/2</a:t>
             </a:fld>
             <a:endParaRPr lang="zh-CN" altLang="en-US"/>
           </a:p>
@@ -2982,7 +2982,7 @@
           <a:p>
             <a:fld id="{8FD1540C-2377-41F4-8233-609BD7814349}" type="datetimeFigureOut">
               <a:rPr lang="zh-CN" altLang="en-US" smtClean="0"/>
-              <a:t>2019/12/1</a:t>
+              <a:t>2019/12/2</a:t>
             </a:fld>
             <a:endParaRPr lang="zh-CN" altLang="en-US"/>
           </a:p>
@@ -3259,7 +3259,7 @@
           <a:p>
             <a:fld id="{8FD1540C-2377-41F4-8233-609BD7814349}" type="datetimeFigureOut">
               <a:rPr lang="zh-CN" altLang="en-US" smtClean="0"/>
-              <a:t>2019/12/1</a:t>
+              <a:t>2019/12/2</a:t>
             </a:fld>
             <a:endParaRPr lang="zh-CN" altLang="en-US"/>
           </a:p>
@@ -3512,7 +3512,7 @@
           <a:p>
             <a:fld id="{8FD1540C-2377-41F4-8233-609BD7814349}" type="datetimeFigureOut">
               <a:rPr lang="zh-CN" altLang="en-US" smtClean="0"/>
-              <a:t>2019/12/1</a:t>
+              <a:t>2019/12/2</a:t>
             </a:fld>
             <a:endParaRPr lang="zh-CN" altLang="en-US"/>
           </a:p>
@@ -3725,7 +3725,7 @@
           <a:p>
             <a:fld id="{8FD1540C-2377-41F4-8233-609BD7814349}" type="datetimeFigureOut">
               <a:rPr lang="zh-CN" altLang="en-US" smtClean="0"/>
-              <a:t>2019/12/1</a:t>
+              <a:t>2019/12/2</a:t>
             </a:fld>
             <a:endParaRPr lang="zh-CN" altLang="en-US"/>
           </a:p>
@@ -4264,25 +4264,1250 @@
           </a:p>
         </p:txBody>
       </p:sp>
-      <p:sp>
-        <p:nvSpPr>
-          <p:cNvPr id="3" name="内容占位符 2"/>
-          <p:cNvSpPr>
-            <a:spLocks noGrp="1"/>
-          </p:cNvSpPr>
-          <p:nvPr>
-            <p:ph idx="1"/>
-          </p:nvPr>
-        </p:nvSpPr>
-        <p:spPr/>
-        <p:txBody>
-          <a:bodyPr/>
-          <a:lstStyle/>
-          <a:p>
-            <a:endParaRPr lang="zh-CN" altLang="en-US" dirty="0"/>
-          </a:p>
-        </p:txBody>
-      </p:sp>
+      <mc:AlternateContent xmlns:mc="http://schemas.openxmlformats.org/markup-compatibility/2006">
+        <mc:Choice xmlns:a14="http://schemas.microsoft.com/office/drawing/2010/main" Requires="a14">
+          <p:sp>
+            <p:nvSpPr>
+              <p:cNvPr id="3" name="内容占位符 2"/>
+              <p:cNvSpPr>
+                <a:spLocks noGrp="1"/>
+              </p:cNvSpPr>
+              <p:nvPr>
+                <p:ph idx="1"/>
+              </p:nvPr>
+            </p:nvSpPr>
+            <p:spPr/>
+            <p:txBody>
+              <a:bodyPr>
+                <a:normAutofit lnSpcReduction="10000"/>
+              </a:bodyPr>
+              <a:lstStyle/>
+              <a:p>
+                <a:r>
+                  <a:rPr lang="en-US" altLang="zh-CN" dirty="0" smtClean="0"/>
+                  <a:t>Trajectory time horizon 30s, time step 0.01s. </a:t>
+                </a:r>
+              </a:p>
+              <a:p>
+                <a:r>
+                  <a:rPr lang="en-US" altLang="zh-CN" dirty="0" smtClean="0"/>
+                  <a:t>Trajectory 1:</a:t>
+                </a:r>
+                <a:endParaRPr lang="en-US" altLang="zh-CN" dirty="0" smtClean="0"/>
+              </a:p>
+              <a:p>
+                <a:pPr lvl="1"/>
+                <a:r>
+                  <a:rPr lang="en-US" altLang="zh-CN" dirty="0" smtClean="0"/>
+                  <a:t>Initial values </a:t>
+                </a:r>
+                <a14:m>
+                  <m:oMath xmlns:m="http://schemas.openxmlformats.org/officeDocument/2006/math">
+                    <m:sSub>
+                      <m:sSubPr>
+                        <m:ctrlPr>
+                          <a:rPr lang="en-US" altLang="zh-CN" b="0" i="1" smtClean="0">
+                            <a:latin typeface="Cambria Math" panose="02040503050406030204" pitchFamily="18" charset="0"/>
+                          </a:rPr>
+                        </m:ctrlPr>
+                      </m:sSubPr>
+                      <m:e>
+                        <m:r>
+                          <a:rPr lang="en-US" altLang="zh-CN" b="0" i="1" smtClean="0">
+                            <a:latin typeface="Cambria Math" panose="02040503050406030204" pitchFamily="18" charset="0"/>
+                          </a:rPr>
+                          <m:t>𝑥</m:t>
+                        </m:r>
+                      </m:e>
+                      <m:sub>
+                        <m:r>
+                          <a:rPr lang="en-US" altLang="zh-CN" b="0" i="1" smtClean="0">
+                            <a:latin typeface="Cambria Math" panose="02040503050406030204" pitchFamily="18" charset="0"/>
+                          </a:rPr>
+                          <m:t>0</m:t>
+                        </m:r>
+                      </m:sub>
+                    </m:sSub>
+                    <m:r>
+                      <a:rPr lang="en-US" altLang="zh-CN" b="0" i="1" smtClean="0">
+                        <a:latin typeface="Cambria Math" panose="02040503050406030204" pitchFamily="18" charset="0"/>
+                      </a:rPr>
+                      <m:t>=0</m:t>
+                    </m:r>
+                  </m:oMath>
+                </a14:m>
+                <a:r>
+                  <a:rPr lang="en-US" altLang="zh-CN" dirty="0" smtClean="0"/>
+                  <a:t>, </a:t>
+                </a:r>
+                <a14:m>
+                  <m:oMath xmlns:m="http://schemas.openxmlformats.org/officeDocument/2006/math">
+                    <m:sSub>
+                      <m:sSubPr>
+                        <m:ctrlPr>
+                          <a:rPr lang="en-US" altLang="zh-CN" b="0" i="1" smtClean="0">
+                            <a:latin typeface="Cambria Math" panose="02040503050406030204" pitchFamily="18" charset="0"/>
+                          </a:rPr>
+                        </m:ctrlPr>
+                      </m:sSubPr>
+                      <m:e>
+                        <m:r>
+                          <a:rPr lang="en-US" altLang="zh-CN" b="0" i="1" smtClean="0">
+                            <a:latin typeface="Cambria Math" panose="02040503050406030204" pitchFamily="18" charset="0"/>
+                          </a:rPr>
+                          <m:t>𝑦</m:t>
+                        </m:r>
+                      </m:e>
+                      <m:sub>
+                        <m:r>
+                          <a:rPr lang="en-US" altLang="zh-CN" b="0" i="1" smtClean="0">
+                            <a:latin typeface="Cambria Math" panose="02040503050406030204" pitchFamily="18" charset="0"/>
+                          </a:rPr>
+                          <m:t>0</m:t>
+                        </m:r>
+                      </m:sub>
+                    </m:sSub>
+                    <m:r>
+                      <a:rPr lang="en-US" altLang="zh-CN" b="0" i="1" smtClean="0">
+                        <a:latin typeface="Cambria Math" panose="02040503050406030204" pitchFamily="18" charset="0"/>
+                      </a:rPr>
+                      <m:t>=0</m:t>
+                    </m:r>
+                  </m:oMath>
+                </a14:m>
+                <a:r>
+                  <a:rPr lang="en-US" altLang="zh-CN" dirty="0" smtClean="0"/>
+                  <a:t>, </a:t>
+                </a:r>
+                <a14:m>
+                  <m:oMath xmlns:m="http://schemas.openxmlformats.org/officeDocument/2006/math">
+                    <m:sSub>
+                      <m:sSubPr>
+                        <m:ctrlPr>
+                          <a:rPr lang="en-US" altLang="zh-CN" b="0" i="1" smtClean="0">
+                            <a:latin typeface="Cambria Math" panose="02040503050406030204" pitchFamily="18" charset="0"/>
+                          </a:rPr>
+                        </m:ctrlPr>
+                      </m:sSubPr>
+                      <m:e>
+                        <m:r>
+                          <a:rPr lang="en-US" altLang="zh-CN" b="0" i="1" smtClean="0">
+                            <a:latin typeface="Cambria Math" panose="02040503050406030204" pitchFamily="18" charset="0"/>
+                          </a:rPr>
+                          <m:t>𝜓</m:t>
+                        </m:r>
+                      </m:e>
+                      <m:sub>
+                        <m:r>
+                          <a:rPr lang="en-US" altLang="zh-CN" b="0" i="1" smtClean="0">
+                            <a:latin typeface="Cambria Math" panose="02040503050406030204" pitchFamily="18" charset="0"/>
+                          </a:rPr>
+                          <m:t>0</m:t>
+                        </m:r>
+                      </m:sub>
+                    </m:sSub>
+                    <m:r>
+                      <a:rPr lang="en-US" altLang="zh-CN" b="0" i="1" smtClean="0">
+                        <a:latin typeface="Cambria Math" panose="02040503050406030204" pitchFamily="18" charset="0"/>
+                      </a:rPr>
+                      <m:t>=0</m:t>
+                    </m:r>
+                  </m:oMath>
+                </a14:m>
+                <a:r>
+                  <a:rPr lang="en-US" altLang="zh-CN" dirty="0" smtClean="0"/>
+                  <a:t>, </a:t>
+                </a:r>
+                <a14:m>
+                  <m:oMath xmlns:m="http://schemas.openxmlformats.org/officeDocument/2006/math">
+                    <m:sSub>
+                      <m:sSubPr>
+                        <m:ctrlPr>
+                          <a:rPr lang="en-US" altLang="zh-CN" b="0" i="1" smtClean="0">
+                            <a:latin typeface="Cambria Math" panose="02040503050406030204" pitchFamily="18" charset="0"/>
+                          </a:rPr>
+                        </m:ctrlPr>
+                      </m:sSubPr>
+                      <m:e>
+                        <m:r>
+                          <a:rPr lang="en-US" altLang="zh-CN" b="0" i="1" smtClean="0">
+                            <a:latin typeface="Cambria Math" panose="02040503050406030204" pitchFamily="18" charset="0"/>
+                          </a:rPr>
+                          <m:t>𝑣</m:t>
+                        </m:r>
+                      </m:e>
+                      <m:sub>
+                        <m:r>
+                          <a:rPr lang="en-US" altLang="zh-CN" b="0" i="1" smtClean="0">
+                            <a:latin typeface="Cambria Math" panose="02040503050406030204" pitchFamily="18" charset="0"/>
+                          </a:rPr>
+                          <m:t>0</m:t>
+                        </m:r>
+                      </m:sub>
+                    </m:sSub>
+                    <m:r>
+                      <a:rPr lang="en-US" altLang="zh-CN" b="0" i="1" smtClean="0">
+                        <a:latin typeface="Cambria Math" panose="02040503050406030204" pitchFamily="18" charset="0"/>
+                      </a:rPr>
+                      <m:t>=3</m:t>
+                    </m:r>
+                  </m:oMath>
+                </a14:m>
+                <a:endParaRPr lang="en-US" altLang="zh-CN" dirty="0" smtClean="0"/>
+              </a:p>
+              <a:p>
+                <a:pPr lvl="1"/>
+                <a:r>
+                  <a:rPr lang="en-US" altLang="zh-CN" dirty="0" smtClean="0"/>
+                  <a:t>Input values </a:t>
+                </a:r>
+                <a14:m>
+                  <m:oMath xmlns:m="http://schemas.openxmlformats.org/officeDocument/2006/math">
+                    <m:r>
+                      <a:rPr lang="en-US" altLang="zh-CN" b="0" i="1" smtClean="0">
+                        <a:latin typeface="Cambria Math" panose="02040503050406030204" pitchFamily="18" charset="0"/>
+                      </a:rPr>
+                      <m:t>𝑎</m:t>
+                    </m:r>
+                    <m:r>
+                      <a:rPr lang="en-US" altLang="zh-CN" b="0" i="1" smtClean="0">
+                        <a:latin typeface="Cambria Math" panose="02040503050406030204" pitchFamily="18" charset="0"/>
+                      </a:rPr>
+                      <m:t>=0</m:t>
+                    </m:r>
+                  </m:oMath>
+                </a14:m>
+                <a:r>
+                  <a:rPr lang="en-US" altLang="zh-CN" dirty="0" smtClean="0"/>
+                  <a:t>, </a:t>
+                </a:r>
+                <a14:m>
+                  <m:oMath xmlns:m="http://schemas.openxmlformats.org/officeDocument/2006/math">
+                    <m:sSub>
+                      <m:sSubPr>
+                        <m:ctrlPr>
+                          <a:rPr lang="en-US" altLang="zh-CN" b="0" i="1" smtClean="0">
+                            <a:latin typeface="Cambria Math" panose="02040503050406030204" pitchFamily="18" charset="0"/>
+                          </a:rPr>
+                        </m:ctrlPr>
+                      </m:sSubPr>
+                      <m:e>
+                        <m:r>
+                          <a:rPr lang="en-US" altLang="zh-CN" b="0" i="1" smtClean="0">
+                            <a:latin typeface="Cambria Math" panose="02040503050406030204" pitchFamily="18" charset="0"/>
+                          </a:rPr>
+                          <m:t>𝛿</m:t>
+                        </m:r>
+                      </m:e>
+                      <m:sub>
+                        <m:r>
+                          <a:rPr lang="en-US" altLang="zh-CN" b="0" i="1" smtClean="0">
+                            <a:latin typeface="Cambria Math" panose="02040503050406030204" pitchFamily="18" charset="0"/>
+                          </a:rPr>
+                          <m:t>𝑓</m:t>
+                        </m:r>
+                      </m:sub>
+                    </m:sSub>
+                    <m:r>
+                      <a:rPr lang="en-US" altLang="zh-CN" b="0" i="1" smtClean="0">
+                        <a:latin typeface="Cambria Math" panose="02040503050406030204" pitchFamily="18" charset="0"/>
+                      </a:rPr>
+                      <m:t>=2</m:t>
+                    </m:r>
+                    <m:r>
+                      <a:rPr lang="en-US" altLang="zh-CN" b="0" i="1" smtClean="0">
+                        <a:latin typeface="Cambria Math" panose="02040503050406030204" pitchFamily="18" charset="0"/>
+                      </a:rPr>
+                      <m:t>8</m:t>
+                    </m:r>
+                  </m:oMath>
+                </a14:m>
+                <a:r>
+                  <a:rPr lang="zh-CN" altLang="en-US" dirty="0" smtClean="0"/>
+                  <a:t> </a:t>
+                </a:r>
+                <a:r>
+                  <a:rPr lang="en-US" altLang="zh-CN" dirty="0" smtClean="0"/>
+                  <a:t>for </a:t>
+                </a:r>
+                <a14:m>
+                  <m:oMath xmlns:m="http://schemas.openxmlformats.org/officeDocument/2006/math">
+                    <m:r>
+                      <a:rPr lang="en-US" altLang="zh-CN" b="0" i="1" smtClean="0">
+                        <a:latin typeface="Cambria Math" panose="02040503050406030204" pitchFamily="18" charset="0"/>
+                      </a:rPr>
+                      <m:t>𝑡</m:t>
+                    </m:r>
+                    <m:r>
+                      <a:rPr lang="en-US" altLang="zh-CN" b="0" i="1" smtClean="0">
+                        <a:latin typeface="Cambria Math" panose="02040503050406030204" pitchFamily="18" charset="0"/>
+                      </a:rPr>
+                      <m:t>&lt;5</m:t>
+                    </m:r>
+                  </m:oMath>
+                </a14:m>
+                <a:r>
+                  <a:rPr lang="en-US" altLang="zh-CN" dirty="0" smtClean="0"/>
+                  <a:t>, </a:t>
+                </a:r>
+                <a14:m>
+                  <m:oMath xmlns:m="http://schemas.openxmlformats.org/officeDocument/2006/math">
+                    <m:sSub>
+                      <m:sSubPr>
+                        <m:ctrlPr>
+                          <a:rPr lang="en-US" altLang="zh-CN" i="1">
+                            <a:latin typeface="Cambria Math" panose="02040503050406030204" pitchFamily="18" charset="0"/>
+                          </a:rPr>
+                        </m:ctrlPr>
+                      </m:sSubPr>
+                      <m:e>
+                        <m:r>
+                          <a:rPr lang="en-US" altLang="zh-CN" i="1">
+                            <a:latin typeface="Cambria Math" panose="02040503050406030204" pitchFamily="18" charset="0"/>
+                          </a:rPr>
+                          <m:t>𝛿</m:t>
+                        </m:r>
+                      </m:e>
+                      <m:sub>
+                        <m:r>
+                          <a:rPr lang="en-US" altLang="zh-CN" i="1">
+                            <a:latin typeface="Cambria Math" panose="02040503050406030204" pitchFamily="18" charset="0"/>
+                          </a:rPr>
+                          <m:t>𝑓</m:t>
+                        </m:r>
+                      </m:sub>
+                    </m:sSub>
+                    <m:r>
+                      <a:rPr lang="en-US" altLang="zh-CN" i="1">
+                        <a:latin typeface="Cambria Math" panose="02040503050406030204" pitchFamily="18" charset="0"/>
+                      </a:rPr>
+                      <m:t>=</m:t>
+                    </m:r>
+                    <m:r>
+                      <a:rPr lang="en-US" altLang="zh-CN" b="0" i="1" smtClean="0">
+                        <a:latin typeface="Cambria Math" panose="02040503050406030204" pitchFamily="18" charset="0"/>
+                      </a:rPr>
+                      <m:t>−1</m:t>
+                    </m:r>
+                    <m:r>
+                      <a:rPr lang="en-US" altLang="zh-CN" b="0" i="1" smtClean="0">
+                        <a:latin typeface="Cambria Math" panose="02040503050406030204" pitchFamily="18" charset="0"/>
+                      </a:rPr>
+                      <m:t>5</m:t>
+                    </m:r>
+                  </m:oMath>
+                </a14:m>
+                <a:r>
+                  <a:rPr lang="zh-CN" altLang="en-US" dirty="0"/>
+                  <a:t> </a:t>
+                </a:r>
+                <a:r>
+                  <a:rPr lang="en-US" altLang="zh-CN" dirty="0"/>
+                  <a:t>for </a:t>
+                </a:r>
+                <a14:m>
+                  <m:oMath xmlns:m="http://schemas.openxmlformats.org/officeDocument/2006/math">
+                    <m:r>
+                      <m:rPr>
+                        <m:sty m:val="p"/>
+                      </m:rPr>
+                      <a:rPr lang="en-US" altLang="zh-CN" b="0" i="0" smtClean="0">
+                        <a:latin typeface="Cambria Math" panose="02040503050406030204" pitchFamily="18" charset="0"/>
+                      </a:rPr>
+                      <m:t>t</m:t>
+                    </m:r>
+                    <m:r>
+                      <a:rPr lang="en-US" altLang="zh-CN" b="0" i="0" smtClean="0">
+                        <a:latin typeface="Cambria Math" panose="02040503050406030204" pitchFamily="18" charset="0"/>
+                      </a:rPr>
+                      <m:t>≥5 </m:t>
+                    </m:r>
+                    <m:r>
+                      <m:rPr>
+                        <m:sty m:val="p"/>
+                      </m:rPr>
+                      <a:rPr lang="en-US" altLang="zh-CN" b="0" i="0" smtClean="0">
+                        <a:latin typeface="Cambria Math" panose="02040503050406030204" pitchFamily="18" charset="0"/>
+                      </a:rPr>
+                      <m:t>and</m:t>
+                    </m:r>
+                    <m:r>
+                      <a:rPr lang="en-US" altLang="zh-CN" b="0" i="0" smtClean="0">
+                        <a:latin typeface="Cambria Math" panose="02040503050406030204" pitchFamily="18" charset="0"/>
+                      </a:rPr>
+                      <m:t> </m:t>
+                    </m:r>
+                    <m:r>
+                      <a:rPr lang="en-US" altLang="zh-CN" i="1">
+                        <a:latin typeface="Cambria Math" panose="02040503050406030204" pitchFamily="18" charset="0"/>
+                      </a:rPr>
+                      <m:t>𝑡</m:t>
+                    </m:r>
+                    <m:r>
+                      <a:rPr lang="en-US" altLang="zh-CN" i="1">
+                        <a:latin typeface="Cambria Math" panose="02040503050406030204" pitchFamily="18" charset="0"/>
+                      </a:rPr>
+                      <m:t>&lt;10</m:t>
+                    </m:r>
+                  </m:oMath>
+                </a14:m>
+                <a:r>
+                  <a:rPr lang="en-US" altLang="zh-CN" dirty="0" smtClean="0"/>
+                  <a:t>, </a:t>
+                </a:r>
+                <a14:m>
+                  <m:oMath xmlns:m="http://schemas.openxmlformats.org/officeDocument/2006/math">
+                    <m:sSub>
+                      <m:sSubPr>
+                        <m:ctrlPr>
+                          <a:rPr lang="en-US" altLang="zh-CN" b="0" i="1" smtClean="0">
+                            <a:latin typeface="Cambria Math" panose="02040503050406030204" pitchFamily="18" charset="0"/>
+                          </a:rPr>
+                        </m:ctrlPr>
+                      </m:sSubPr>
+                      <m:e>
+                        <m:r>
+                          <a:rPr lang="en-US" altLang="zh-CN" b="0" i="1" smtClean="0">
+                            <a:latin typeface="Cambria Math" panose="02040503050406030204" pitchFamily="18" charset="0"/>
+                          </a:rPr>
+                          <m:t>𝛿</m:t>
+                        </m:r>
+                      </m:e>
+                      <m:sub>
+                        <m:r>
+                          <a:rPr lang="en-US" altLang="zh-CN" b="0" i="1" smtClean="0">
+                            <a:latin typeface="Cambria Math" panose="02040503050406030204" pitchFamily="18" charset="0"/>
+                          </a:rPr>
+                          <m:t>𝑓</m:t>
+                        </m:r>
+                      </m:sub>
+                    </m:sSub>
+                    <m:r>
+                      <a:rPr lang="en-US" altLang="zh-CN" b="0" i="1" smtClean="0">
+                        <a:latin typeface="Cambria Math" panose="02040503050406030204" pitchFamily="18" charset="0"/>
+                      </a:rPr>
+                      <m:t>=</m:t>
+                    </m:r>
+                    <m:r>
+                      <a:rPr lang="en-US" altLang="zh-CN" b="0" i="1" smtClean="0">
+                        <a:latin typeface="Cambria Math" panose="02040503050406030204" pitchFamily="18" charset="0"/>
+                      </a:rPr>
+                      <m:t>16</m:t>
+                    </m:r>
+                  </m:oMath>
+                </a14:m>
+                <a:r>
+                  <a:rPr lang="en-US" altLang="zh-CN" dirty="0" smtClean="0"/>
+                  <a:t> for </a:t>
+                </a:r>
+                <a14:m>
+                  <m:oMath xmlns:m="http://schemas.openxmlformats.org/officeDocument/2006/math">
+                    <m:r>
+                      <a:rPr lang="en-US" altLang="zh-CN" b="0" i="1" smtClean="0">
+                        <a:latin typeface="Cambria Math" panose="02040503050406030204" pitchFamily="18" charset="0"/>
+                      </a:rPr>
+                      <m:t>𝑡</m:t>
+                    </m:r>
+                    <m:r>
+                      <a:rPr lang="en-US" altLang="zh-CN" b="0" i="1" smtClean="0">
+                        <a:latin typeface="Cambria Math" panose="02040503050406030204" pitchFamily="18" charset="0"/>
+                      </a:rPr>
+                      <m:t>≥10</m:t>
+                    </m:r>
+                  </m:oMath>
+                </a14:m>
+                <a:r>
+                  <a:rPr lang="en-US" altLang="zh-CN" dirty="0" smtClean="0"/>
+                  <a:t> and </a:t>
+                </a:r>
+                <a14:m>
+                  <m:oMath xmlns:m="http://schemas.openxmlformats.org/officeDocument/2006/math">
+                    <m:r>
+                      <a:rPr lang="en-US" altLang="zh-CN" b="0" i="1" smtClean="0">
+                        <a:latin typeface="Cambria Math" panose="02040503050406030204" pitchFamily="18" charset="0"/>
+                      </a:rPr>
+                      <m:t>𝑡</m:t>
+                    </m:r>
+                    <m:r>
+                      <a:rPr lang="en-US" altLang="zh-CN" b="0" i="1" smtClean="0">
+                        <a:latin typeface="Cambria Math" panose="02040503050406030204" pitchFamily="18" charset="0"/>
+                      </a:rPr>
+                      <m:t>&lt;15</m:t>
+                    </m:r>
+                  </m:oMath>
+                </a14:m>
+                <a:r>
+                  <a:rPr lang="en-US" altLang="zh-CN" dirty="0" smtClean="0"/>
+                  <a:t>, </a:t>
+                </a:r>
+                <a14:m>
+                  <m:oMath xmlns:m="http://schemas.openxmlformats.org/officeDocument/2006/math">
+                    <m:sSub>
+                      <m:sSubPr>
+                        <m:ctrlPr>
+                          <a:rPr lang="en-US" altLang="zh-CN" b="0" i="1" smtClean="0">
+                            <a:latin typeface="Cambria Math" panose="02040503050406030204" pitchFamily="18" charset="0"/>
+                          </a:rPr>
+                        </m:ctrlPr>
+                      </m:sSubPr>
+                      <m:e>
+                        <m:r>
+                          <a:rPr lang="en-US" altLang="zh-CN" b="0" i="1" smtClean="0">
+                            <a:latin typeface="Cambria Math" panose="02040503050406030204" pitchFamily="18" charset="0"/>
+                          </a:rPr>
+                          <m:t>𝛿</m:t>
+                        </m:r>
+                      </m:e>
+                      <m:sub>
+                        <m:r>
+                          <a:rPr lang="en-US" altLang="zh-CN" b="0" i="1" smtClean="0">
+                            <a:latin typeface="Cambria Math" panose="02040503050406030204" pitchFamily="18" charset="0"/>
+                          </a:rPr>
+                          <m:t>𝑓</m:t>
+                        </m:r>
+                      </m:sub>
+                    </m:sSub>
+                    <m:r>
+                      <a:rPr lang="en-US" altLang="zh-CN" b="0" i="1" smtClean="0">
+                        <a:latin typeface="Cambria Math" panose="02040503050406030204" pitchFamily="18" charset="0"/>
+                      </a:rPr>
+                      <m:t>=−</m:t>
+                    </m:r>
+                    <m:r>
+                      <a:rPr lang="en-US" altLang="zh-CN" b="0" i="1" smtClean="0">
+                        <a:latin typeface="Cambria Math" panose="02040503050406030204" pitchFamily="18" charset="0"/>
+                      </a:rPr>
+                      <m:t>27</m:t>
+                    </m:r>
+                  </m:oMath>
+                </a14:m>
+                <a:r>
+                  <a:rPr lang="en-US" altLang="zh-CN" dirty="0" smtClean="0"/>
+                  <a:t> for </a:t>
+                </a:r>
+                <a14:m>
+                  <m:oMath xmlns:m="http://schemas.openxmlformats.org/officeDocument/2006/math">
+                    <m:r>
+                      <a:rPr lang="en-US" altLang="zh-CN" b="0" i="1" smtClean="0">
+                        <a:latin typeface="Cambria Math" panose="02040503050406030204" pitchFamily="18" charset="0"/>
+                      </a:rPr>
+                      <m:t>𝑡</m:t>
+                    </m:r>
+                    <m:r>
+                      <a:rPr lang="en-US" altLang="zh-CN" b="0" i="1" smtClean="0">
+                        <a:latin typeface="Cambria Math" panose="02040503050406030204" pitchFamily="18" charset="0"/>
+                      </a:rPr>
+                      <m:t>≥15</m:t>
+                    </m:r>
+                  </m:oMath>
+                </a14:m>
+                <a:r>
+                  <a:rPr lang="en-US" altLang="zh-CN" dirty="0" smtClean="0"/>
+                  <a:t> and </a:t>
+                </a:r>
+                <a14:m>
+                  <m:oMath xmlns:m="http://schemas.openxmlformats.org/officeDocument/2006/math">
+                    <m:r>
+                      <a:rPr lang="en-US" altLang="zh-CN" b="0" i="1" smtClean="0">
+                        <a:latin typeface="Cambria Math" panose="02040503050406030204" pitchFamily="18" charset="0"/>
+                      </a:rPr>
+                      <m:t>𝑡</m:t>
+                    </m:r>
+                    <m:r>
+                      <a:rPr lang="en-US" altLang="zh-CN" b="0" i="1" smtClean="0">
+                        <a:latin typeface="Cambria Math" panose="02040503050406030204" pitchFamily="18" charset="0"/>
+                      </a:rPr>
+                      <m:t>&lt;20</m:t>
+                    </m:r>
+                  </m:oMath>
+                </a14:m>
+                <a:r>
+                  <a:rPr lang="en-US" altLang="zh-CN" dirty="0" smtClean="0"/>
+                  <a:t>, and </a:t>
+                </a:r>
+                <a14:m>
+                  <m:oMath xmlns:m="http://schemas.openxmlformats.org/officeDocument/2006/math">
+                    <m:sSub>
+                      <m:sSubPr>
+                        <m:ctrlPr>
+                          <a:rPr lang="en-US" altLang="zh-CN" b="0" i="1" smtClean="0">
+                            <a:latin typeface="Cambria Math" panose="02040503050406030204" pitchFamily="18" charset="0"/>
+                          </a:rPr>
+                        </m:ctrlPr>
+                      </m:sSubPr>
+                      <m:e>
+                        <m:r>
+                          <a:rPr lang="en-US" altLang="zh-CN" b="0" i="1" smtClean="0">
+                            <a:latin typeface="Cambria Math" panose="02040503050406030204" pitchFamily="18" charset="0"/>
+                          </a:rPr>
+                          <m:t>𝛿</m:t>
+                        </m:r>
+                      </m:e>
+                      <m:sub>
+                        <m:r>
+                          <a:rPr lang="en-US" altLang="zh-CN" b="0" i="1" smtClean="0">
+                            <a:latin typeface="Cambria Math" panose="02040503050406030204" pitchFamily="18" charset="0"/>
+                          </a:rPr>
+                          <m:t>𝑓</m:t>
+                        </m:r>
+                      </m:sub>
+                    </m:sSub>
+                    <m:r>
+                      <a:rPr lang="en-US" altLang="zh-CN" b="0" i="1" smtClean="0">
+                        <a:latin typeface="Cambria Math" panose="02040503050406030204" pitchFamily="18" charset="0"/>
+                      </a:rPr>
+                      <m:t>=16</m:t>
+                    </m:r>
+                  </m:oMath>
+                </a14:m>
+                <a:r>
+                  <a:rPr lang="en-US" altLang="zh-CN" dirty="0" smtClean="0"/>
+                  <a:t> for </a:t>
+                </a:r>
+                <a14:m>
+                  <m:oMath xmlns:m="http://schemas.openxmlformats.org/officeDocument/2006/math">
+                    <m:r>
+                      <a:rPr lang="en-US" altLang="zh-CN" b="0" i="1" smtClean="0">
+                        <a:latin typeface="Cambria Math" panose="02040503050406030204" pitchFamily="18" charset="0"/>
+                      </a:rPr>
+                      <m:t>𝑡</m:t>
+                    </m:r>
+                    <m:r>
+                      <a:rPr lang="en-US" altLang="zh-CN" b="0" i="1" smtClean="0">
+                        <a:latin typeface="Cambria Math" panose="02040503050406030204" pitchFamily="18" charset="0"/>
+                      </a:rPr>
+                      <m:t>≥20</m:t>
+                    </m:r>
+                  </m:oMath>
+                </a14:m>
+                <a:endParaRPr lang="en-US" altLang="zh-CN" dirty="0" smtClean="0"/>
+              </a:p>
+              <a:p>
+                <a:r>
+                  <a:rPr lang="en-US" altLang="zh-CN" dirty="0"/>
+                  <a:t>Trajectory </a:t>
+                </a:r>
+                <a:r>
+                  <a:rPr lang="en-US" altLang="zh-CN" dirty="0" smtClean="0"/>
+                  <a:t>2:</a:t>
+                </a:r>
+                <a:endParaRPr lang="en-US" altLang="zh-CN" dirty="0"/>
+              </a:p>
+              <a:p>
+                <a:pPr lvl="1"/>
+                <a:r>
+                  <a:rPr lang="en-US" altLang="zh-CN" dirty="0"/>
+                  <a:t>Initial values </a:t>
+                </a:r>
+                <a14:m>
+                  <m:oMath xmlns:m="http://schemas.openxmlformats.org/officeDocument/2006/math">
+                    <m:sSub>
+                      <m:sSubPr>
+                        <m:ctrlPr>
+                          <a:rPr lang="en-US" altLang="zh-CN" i="1">
+                            <a:latin typeface="Cambria Math" panose="02040503050406030204" pitchFamily="18" charset="0"/>
+                          </a:rPr>
+                        </m:ctrlPr>
+                      </m:sSubPr>
+                      <m:e>
+                        <m:r>
+                          <a:rPr lang="en-US" altLang="zh-CN" i="1">
+                            <a:latin typeface="Cambria Math" panose="02040503050406030204" pitchFamily="18" charset="0"/>
+                          </a:rPr>
+                          <m:t>𝑥</m:t>
+                        </m:r>
+                      </m:e>
+                      <m:sub>
+                        <m:r>
+                          <a:rPr lang="en-US" altLang="zh-CN" i="1">
+                            <a:latin typeface="Cambria Math" panose="02040503050406030204" pitchFamily="18" charset="0"/>
+                          </a:rPr>
+                          <m:t>0</m:t>
+                        </m:r>
+                      </m:sub>
+                    </m:sSub>
+                    <m:r>
+                      <a:rPr lang="en-US" altLang="zh-CN" i="1">
+                        <a:latin typeface="Cambria Math" panose="02040503050406030204" pitchFamily="18" charset="0"/>
+                      </a:rPr>
+                      <m:t>=0</m:t>
+                    </m:r>
+                  </m:oMath>
+                </a14:m>
+                <a:r>
+                  <a:rPr lang="en-US" altLang="zh-CN" dirty="0"/>
+                  <a:t>, </a:t>
+                </a:r>
+                <a14:m>
+                  <m:oMath xmlns:m="http://schemas.openxmlformats.org/officeDocument/2006/math">
+                    <m:sSub>
+                      <m:sSubPr>
+                        <m:ctrlPr>
+                          <a:rPr lang="en-US" altLang="zh-CN" i="1">
+                            <a:latin typeface="Cambria Math" panose="02040503050406030204" pitchFamily="18" charset="0"/>
+                          </a:rPr>
+                        </m:ctrlPr>
+                      </m:sSubPr>
+                      <m:e>
+                        <m:r>
+                          <a:rPr lang="en-US" altLang="zh-CN" i="1">
+                            <a:latin typeface="Cambria Math" panose="02040503050406030204" pitchFamily="18" charset="0"/>
+                          </a:rPr>
+                          <m:t>𝑦</m:t>
+                        </m:r>
+                      </m:e>
+                      <m:sub>
+                        <m:r>
+                          <a:rPr lang="en-US" altLang="zh-CN" i="1">
+                            <a:latin typeface="Cambria Math" panose="02040503050406030204" pitchFamily="18" charset="0"/>
+                          </a:rPr>
+                          <m:t>0</m:t>
+                        </m:r>
+                      </m:sub>
+                    </m:sSub>
+                    <m:r>
+                      <a:rPr lang="en-US" altLang="zh-CN" i="1">
+                        <a:latin typeface="Cambria Math" panose="02040503050406030204" pitchFamily="18" charset="0"/>
+                      </a:rPr>
+                      <m:t>=0</m:t>
+                    </m:r>
+                  </m:oMath>
+                </a14:m>
+                <a:r>
+                  <a:rPr lang="en-US" altLang="zh-CN" dirty="0"/>
+                  <a:t>, </a:t>
+                </a:r>
+                <a14:m>
+                  <m:oMath xmlns:m="http://schemas.openxmlformats.org/officeDocument/2006/math">
+                    <m:sSub>
+                      <m:sSubPr>
+                        <m:ctrlPr>
+                          <a:rPr lang="en-US" altLang="zh-CN" i="1">
+                            <a:latin typeface="Cambria Math" panose="02040503050406030204" pitchFamily="18" charset="0"/>
+                          </a:rPr>
+                        </m:ctrlPr>
+                      </m:sSubPr>
+                      <m:e>
+                        <m:r>
+                          <a:rPr lang="en-US" altLang="zh-CN" i="1">
+                            <a:latin typeface="Cambria Math" panose="02040503050406030204" pitchFamily="18" charset="0"/>
+                          </a:rPr>
+                          <m:t>𝜓</m:t>
+                        </m:r>
+                      </m:e>
+                      <m:sub>
+                        <m:r>
+                          <a:rPr lang="en-US" altLang="zh-CN" i="1">
+                            <a:latin typeface="Cambria Math" panose="02040503050406030204" pitchFamily="18" charset="0"/>
+                          </a:rPr>
+                          <m:t>0</m:t>
+                        </m:r>
+                      </m:sub>
+                    </m:sSub>
+                    <m:r>
+                      <a:rPr lang="en-US" altLang="zh-CN" i="1">
+                        <a:latin typeface="Cambria Math" panose="02040503050406030204" pitchFamily="18" charset="0"/>
+                      </a:rPr>
+                      <m:t>=0</m:t>
+                    </m:r>
+                  </m:oMath>
+                </a14:m>
+                <a:r>
+                  <a:rPr lang="en-US" altLang="zh-CN" dirty="0"/>
+                  <a:t>, </a:t>
+                </a:r>
+                <a14:m>
+                  <m:oMath xmlns:m="http://schemas.openxmlformats.org/officeDocument/2006/math">
+                    <m:sSub>
+                      <m:sSubPr>
+                        <m:ctrlPr>
+                          <a:rPr lang="en-US" altLang="zh-CN" i="1">
+                            <a:latin typeface="Cambria Math" panose="02040503050406030204" pitchFamily="18" charset="0"/>
+                          </a:rPr>
+                        </m:ctrlPr>
+                      </m:sSubPr>
+                      <m:e>
+                        <m:r>
+                          <a:rPr lang="en-US" altLang="zh-CN" i="1">
+                            <a:latin typeface="Cambria Math" panose="02040503050406030204" pitchFamily="18" charset="0"/>
+                          </a:rPr>
+                          <m:t>𝑣</m:t>
+                        </m:r>
+                      </m:e>
+                      <m:sub>
+                        <m:r>
+                          <a:rPr lang="en-US" altLang="zh-CN" i="1">
+                            <a:latin typeface="Cambria Math" panose="02040503050406030204" pitchFamily="18" charset="0"/>
+                          </a:rPr>
+                          <m:t>0</m:t>
+                        </m:r>
+                      </m:sub>
+                    </m:sSub>
+                    <m:r>
+                      <a:rPr lang="en-US" altLang="zh-CN" i="1">
+                        <a:latin typeface="Cambria Math" panose="02040503050406030204" pitchFamily="18" charset="0"/>
+                      </a:rPr>
+                      <m:t>=3</m:t>
+                    </m:r>
+                  </m:oMath>
+                </a14:m>
+                <a:endParaRPr lang="en-US" altLang="zh-CN" dirty="0"/>
+              </a:p>
+              <a:p>
+                <a:pPr lvl="1"/>
+                <a:r>
+                  <a:rPr lang="en-US" altLang="zh-CN" dirty="0"/>
+                  <a:t>Input values </a:t>
+                </a:r>
+                <a14:m>
+                  <m:oMath xmlns:m="http://schemas.openxmlformats.org/officeDocument/2006/math">
+                    <m:r>
+                      <a:rPr lang="en-US" altLang="zh-CN" i="1">
+                        <a:latin typeface="Cambria Math" panose="02040503050406030204" pitchFamily="18" charset="0"/>
+                      </a:rPr>
+                      <m:t>𝑎</m:t>
+                    </m:r>
+                    <m:r>
+                      <a:rPr lang="en-US" altLang="zh-CN" i="1">
+                        <a:latin typeface="Cambria Math" panose="02040503050406030204" pitchFamily="18" charset="0"/>
+                      </a:rPr>
+                      <m:t>=0</m:t>
+                    </m:r>
+                  </m:oMath>
+                </a14:m>
+                <a:r>
+                  <a:rPr lang="en-US" altLang="zh-CN" dirty="0"/>
+                  <a:t>, </a:t>
+                </a:r>
+                <a14:m>
+                  <m:oMath xmlns:m="http://schemas.openxmlformats.org/officeDocument/2006/math">
+                    <m:sSub>
+                      <m:sSubPr>
+                        <m:ctrlPr>
+                          <a:rPr lang="en-US" altLang="zh-CN" i="1">
+                            <a:latin typeface="Cambria Math" panose="02040503050406030204" pitchFamily="18" charset="0"/>
+                          </a:rPr>
+                        </m:ctrlPr>
+                      </m:sSubPr>
+                      <m:e>
+                        <m:r>
+                          <a:rPr lang="en-US" altLang="zh-CN" i="1">
+                            <a:latin typeface="Cambria Math" panose="02040503050406030204" pitchFamily="18" charset="0"/>
+                          </a:rPr>
+                          <m:t>𝛿</m:t>
+                        </m:r>
+                      </m:e>
+                      <m:sub>
+                        <m:r>
+                          <a:rPr lang="en-US" altLang="zh-CN" i="1">
+                            <a:latin typeface="Cambria Math" panose="02040503050406030204" pitchFamily="18" charset="0"/>
+                          </a:rPr>
+                          <m:t>𝑓</m:t>
+                        </m:r>
+                      </m:sub>
+                    </m:sSub>
+                    <m:r>
+                      <a:rPr lang="en-US" altLang="zh-CN" i="1">
+                        <a:latin typeface="Cambria Math" panose="02040503050406030204" pitchFamily="18" charset="0"/>
+                      </a:rPr>
+                      <m:t>=20</m:t>
+                    </m:r>
+                  </m:oMath>
+                </a14:m>
+                <a:r>
+                  <a:rPr lang="zh-CN" altLang="en-US" dirty="0"/>
+                  <a:t> </a:t>
+                </a:r>
+                <a:r>
+                  <a:rPr lang="en-US" altLang="zh-CN" dirty="0"/>
+                  <a:t>for </a:t>
+                </a:r>
+                <a14:m>
+                  <m:oMath xmlns:m="http://schemas.openxmlformats.org/officeDocument/2006/math">
+                    <m:r>
+                      <a:rPr lang="en-US" altLang="zh-CN" i="1">
+                        <a:latin typeface="Cambria Math" panose="02040503050406030204" pitchFamily="18" charset="0"/>
+                      </a:rPr>
+                      <m:t>𝑡</m:t>
+                    </m:r>
+                    <m:r>
+                      <a:rPr lang="en-US" altLang="zh-CN" i="1">
+                        <a:latin typeface="Cambria Math" panose="02040503050406030204" pitchFamily="18" charset="0"/>
+                      </a:rPr>
+                      <m:t>&lt;5</m:t>
+                    </m:r>
+                  </m:oMath>
+                </a14:m>
+                <a:r>
+                  <a:rPr lang="en-US" altLang="zh-CN" dirty="0"/>
+                  <a:t>, </a:t>
+                </a:r>
+                <a14:m>
+                  <m:oMath xmlns:m="http://schemas.openxmlformats.org/officeDocument/2006/math">
+                    <m:sSub>
+                      <m:sSubPr>
+                        <m:ctrlPr>
+                          <a:rPr lang="en-US" altLang="zh-CN" i="1">
+                            <a:latin typeface="Cambria Math" panose="02040503050406030204" pitchFamily="18" charset="0"/>
+                          </a:rPr>
+                        </m:ctrlPr>
+                      </m:sSubPr>
+                      <m:e>
+                        <m:r>
+                          <a:rPr lang="en-US" altLang="zh-CN" i="1">
+                            <a:latin typeface="Cambria Math" panose="02040503050406030204" pitchFamily="18" charset="0"/>
+                          </a:rPr>
+                          <m:t>𝛿</m:t>
+                        </m:r>
+                      </m:e>
+                      <m:sub>
+                        <m:r>
+                          <a:rPr lang="en-US" altLang="zh-CN" i="1">
+                            <a:latin typeface="Cambria Math" panose="02040503050406030204" pitchFamily="18" charset="0"/>
+                          </a:rPr>
+                          <m:t>𝑓</m:t>
+                        </m:r>
+                      </m:sub>
+                    </m:sSub>
+                    <m:r>
+                      <a:rPr lang="en-US" altLang="zh-CN" i="1">
+                        <a:latin typeface="Cambria Math" panose="02040503050406030204" pitchFamily="18" charset="0"/>
+                      </a:rPr>
+                      <m:t>=</m:t>
+                    </m:r>
+                    <m:r>
+                      <a:rPr lang="en-US" altLang="zh-CN" i="1">
+                        <a:latin typeface="Cambria Math" panose="02040503050406030204" pitchFamily="18" charset="0"/>
+                      </a:rPr>
+                      <m:t>−1</m:t>
+                    </m:r>
+                    <m:r>
+                      <a:rPr lang="en-US" altLang="zh-CN" i="1">
+                        <a:latin typeface="Cambria Math" panose="02040503050406030204" pitchFamily="18" charset="0"/>
+                      </a:rPr>
+                      <m:t>0</m:t>
+                    </m:r>
+                  </m:oMath>
+                </a14:m>
+                <a:r>
+                  <a:rPr lang="zh-CN" altLang="en-US" dirty="0"/>
+                  <a:t> </a:t>
+                </a:r>
+                <a:r>
+                  <a:rPr lang="en-US" altLang="zh-CN" dirty="0"/>
+                  <a:t>for </a:t>
+                </a:r>
+                <a14:m>
+                  <m:oMath xmlns:m="http://schemas.openxmlformats.org/officeDocument/2006/math">
+                    <m:r>
+                      <m:rPr>
+                        <m:sty m:val="p"/>
+                      </m:rPr>
+                      <a:rPr lang="en-US" altLang="zh-CN">
+                        <a:latin typeface="Cambria Math" panose="02040503050406030204" pitchFamily="18" charset="0"/>
+                      </a:rPr>
+                      <m:t>t</m:t>
+                    </m:r>
+                    <m:r>
+                      <a:rPr lang="en-US" altLang="zh-CN">
+                        <a:latin typeface="Cambria Math" panose="02040503050406030204" pitchFamily="18" charset="0"/>
+                      </a:rPr>
+                      <m:t>≥5 </m:t>
+                    </m:r>
+                    <m:r>
+                      <m:rPr>
+                        <m:sty m:val="p"/>
+                      </m:rPr>
+                      <a:rPr lang="en-US" altLang="zh-CN">
+                        <a:latin typeface="Cambria Math" panose="02040503050406030204" pitchFamily="18" charset="0"/>
+                      </a:rPr>
+                      <m:t>and</m:t>
+                    </m:r>
+                    <m:r>
+                      <a:rPr lang="en-US" altLang="zh-CN">
+                        <a:latin typeface="Cambria Math" panose="02040503050406030204" pitchFamily="18" charset="0"/>
+                      </a:rPr>
+                      <m:t> </m:t>
+                    </m:r>
+                    <m:r>
+                      <a:rPr lang="en-US" altLang="zh-CN" i="1">
+                        <a:latin typeface="Cambria Math" panose="02040503050406030204" pitchFamily="18" charset="0"/>
+                      </a:rPr>
+                      <m:t>𝑡</m:t>
+                    </m:r>
+                    <m:r>
+                      <a:rPr lang="en-US" altLang="zh-CN" i="1">
+                        <a:latin typeface="Cambria Math" panose="02040503050406030204" pitchFamily="18" charset="0"/>
+                      </a:rPr>
+                      <m:t>&lt;8</m:t>
+                    </m:r>
+                  </m:oMath>
+                </a14:m>
+                <a:r>
+                  <a:rPr lang="en-US" altLang="zh-CN" dirty="0"/>
+                  <a:t>, </a:t>
+                </a:r>
+                <a14:m>
+                  <m:oMath xmlns:m="http://schemas.openxmlformats.org/officeDocument/2006/math">
+                    <m:sSub>
+                      <m:sSubPr>
+                        <m:ctrlPr>
+                          <a:rPr lang="en-US" altLang="zh-CN" i="1">
+                            <a:latin typeface="Cambria Math" panose="02040503050406030204" pitchFamily="18" charset="0"/>
+                          </a:rPr>
+                        </m:ctrlPr>
+                      </m:sSubPr>
+                      <m:e>
+                        <m:r>
+                          <a:rPr lang="en-US" altLang="zh-CN" i="1">
+                            <a:latin typeface="Cambria Math" panose="02040503050406030204" pitchFamily="18" charset="0"/>
+                          </a:rPr>
+                          <m:t>𝛿</m:t>
+                        </m:r>
+                      </m:e>
+                      <m:sub>
+                        <m:r>
+                          <a:rPr lang="en-US" altLang="zh-CN" i="1">
+                            <a:latin typeface="Cambria Math" panose="02040503050406030204" pitchFamily="18" charset="0"/>
+                          </a:rPr>
+                          <m:t>𝑓</m:t>
+                        </m:r>
+                      </m:sub>
+                    </m:sSub>
+                    <m:r>
+                      <a:rPr lang="en-US" altLang="zh-CN" i="1">
+                        <a:latin typeface="Cambria Math" panose="02040503050406030204" pitchFamily="18" charset="0"/>
+                      </a:rPr>
+                      <m:t>=30</m:t>
+                    </m:r>
+                  </m:oMath>
+                </a14:m>
+                <a:r>
+                  <a:rPr lang="en-US" altLang="zh-CN" dirty="0"/>
+                  <a:t> for </a:t>
+                </a:r>
+                <a14:m>
+                  <m:oMath xmlns:m="http://schemas.openxmlformats.org/officeDocument/2006/math">
+                    <m:r>
+                      <a:rPr lang="en-US" altLang="zh-CN" i="1">
+                        <a:latin typeface="Cambria Math" panose="02040503050406030204" pitchFamily="18" charset="0"/>
+                      </a:rPr>
+                      <m:t>𝑡</m:t>
+                    </m:r>
+                    <m:r>
+                      <a:rPr lang="en-US" altLang="zh-CN" i="1">
+                        <a:latin typeface="Cambria Math" panose="02040503050406030204" pitchFamily="18" charset="0"/>
+                      </a:rPr>
+                      <m:t>≥8</m:t>
+                    </m:r>
+                  </m:oMath>
+                </a14:m>
+                <a:r>
+                  <a:rPr lang="en-US" altLang="zh-CN" dirty="0"/>
+                  <a:t> and </a:t>
+                </a:r>
+                <a14:m>
+                  <m:oMath xmlns:m="http://schemas.openxmlformats.org/officeDocument/2006/math">
+                    <m:r>
+                      <a:rPr lang="en-US" altLang="zh-CN" i="1">
+                        <a:latin typeface="Cambria Math" panose="02040503050406030204" pitchFamily="18" charset="0"/>
+                      </a:rPr>
+                      <m:t>𝑡</m:t>
+                    </m:r>
+                    <m:r>
+                      <a:rPr lang="en-US" altLang="zh-CN" i="1">
+                        <a:latin typeface="Cambria Math" panose="02040503050406030204" pitchFamily="18" charset="0"/>
+                      </a:rPr>
+                      <m:t>&lt;12</m:t>
+                    </m:r>
+                  </m:oMath>
+                </a14:m>
+                <a:r>
+                  <a:rPr lang="en-US" altLang="zh-CN" dirty="0"/>
+                  <a:t>, </a:t>
+                </a:r>
+                <a14:m>
+                  <m:oMath xmlns:m="http://schemas.openxmlformats.org/officeDocument/2006/math">
+                    <m:sSub>
+                      <m:sSubPr>
+                        <m:ctrlPr>
+                          <a:rPr lang="en-US" altLang="zh-CN" i="1">
+                            <a:latin typeface="Cambria Math" panose="02040503050406030204" pitchFamily="18" charset="0"/>
+                          </a:rPr>
+                        </m:ctrlPr>
+                      </m:sSubPr>
+                      <m:e>
+                        <m:r>
+                          <a:rPr lang="en-US" altLang="zh-CN" i="1">
+                            <a:latin typeface="Cambria Math" panose="02040503050406030204" pitchFamily="18" charset="0"/>
+                          </a:rPr>
+                          <m:t>𝛿</m:t>
+                        </m:r>
+                      </m:e>
+                      <m:sub>
+                        <m:r>
+                          <a:rPr lang="en-US" altLang="zh-CN" i="1">
+                            <a:latin typeface="Cambria Math" panose="02040503050406030204" pitchFamily="18" charset="0"/>
+                          </a:rPr>
+                          <m:t>𝑓</m:t>
+                        </m:r>
+                      </m:sub>
+                    </m:sSub>
+                    <m:r>
+                      <a:rPr lang="en-US" altLang="zh-CN" i="1">
+                        <a:latin typeface="Cambria Math" panose="02040503050406030204" pitchFamily="18" charset="0"/>
+                      </a:rPr>
+                      <m:t>=−27</m:t>
+                    </m:r>
+                  </m:oMath>
+                </a14:m>
+                <a:r>
+                  <a:rPr lang="en-US" altLang="zh-CN" dirty="0"/>
+                  <a:t> for </a:t>
+                </a:r>
+                <a14:m>
+                  <m:oMath xmlns:m="http://schemas.openxmlformats.org/officeDocument/2006/math">
+                    <m:r>
+                      <a:rPr lang="en-US" altLang="zh-CN" i="1">
+                        <a:latin typeface="Cambria Math" panose="02040503050406030204" pitchFamily="18" charset="0"/>
+                      </a:rPr>
+                      <m:t>𝑡</m:t>
+                    </m:r>
+                    <m:r>
+                      <a:rPr lang="en-US" altLang="zh-CN" i="1">
+                        <a:latin typeface="Cambria Math" panose="02040503050406030204" pitchFamily="18" charset="0"/>
+                      </a:rPr>
+                      <m:t>≥12</m:t>
+                    </m:r>
+                  </m:oMath>
+                </a14:m>
+                <a:r>
+                  <a:rPr lang="en-US" altLang="zh-CN" dirty="0"/>
+                  <a:t> and </a:t>
+                </a:r>
+                <a14:m>
+                  <m:oMath xmlns:m="http://schemas.openxmlformats.org/officeDocument/2006/math">
+                    <m:r>
+                      <a:rPr lang="en-US" altLang="zh-CN" i="1">
+                        <a:latin typeface="Cambria Math" panose="02040503050406030204" pitchFamily="18" charset="0"/>
+                      </a:rPr>
+                      <m:t>𝑡</m:t>
+                    </m:r>
+                    <m:r>
+                      <a:rPr lang="en-US" altLang="zh-CN" i="1">
+                        <a:latin typeface="Cambria Math" panose="02040503050406030204" pitchFamily="18" charset="0"/>
+                      </a:rPr>
+                      <m:t>&lt;15</m:t>
+                    </m:r>
+                  </m:oMath>
+                </a14:m>
+                <a:r>
+                  <a:rPr lang="en-US" altLang="zh-CN" dirty="0"/>
+                  <a:t>, and </a:t>
+                </a:r>
+                <a14:m>
+                  <m:oMath xmlns:m="http://schemas.openxmlformats.org/officeDocument/2006/math">
+                    <m:sSub>
+                      <m:sSubPr>
+                        <m:ctrlPr>
+                          <a:rPr lang="en-US" altLang="zh-CN" i="1">
+                            <a:latin typeface="Cambria Math" panose="02040503050406030204" pitchFamily="18" charset="0"/>
+                          </a:rPr>
+                        </m:ctrlPr>
+                      </m:sSubPr>
+                      <m:e>
+                        <m:r>
+                          <a:rPr lang="en-US" altLang="zh-CN" i="1">
+                            <a:latin typeface="Cambria Math" panose="02040503050406030204" pitchFamily="18" charset="0"/>
+                          </a:rPr>
+                          <m:t>𝛿</m:t>
+                        </m:r>
+                      </m:e>
+                      <m:sub>
+                        <m:r>
+                          <a:rPr lang="en-US" altLang="zh-CN" i="1">
+                            <a:latin typeface="Cambria Math" panose="02040503050406030204" pitchFamily="18" charset="0"/>
+                          </a:rPr>
+                          <m:t>𝑓</m:t>
+                        </m:r>
+                      </m:sub>
+                    </m:sSub>
+                    <m:r>
+                      <a:rPr lang="en-US" altLang="zh-CN" i="1">
+                        <a:latin typeface="Cambria Math" panose="02040503050406030204" pitchFamily="18" charset="0"/>
+                      </a:rPr>
+                      <m:t>=16</m:t>
+                    </m:r>
+                  </m:oMath>
+                </a14:m>
+                <a:r>
+                  <a:rPr lang="en-US" altLang="zh-CN" dirty="0"/>
+                  <a:t> for </a:t>
+                </a:r>
+                <a14:m>
+                  <m:oMath xmlns:m="http://schemas.openxmlformats.org/officeDocument/2006/math">
+                    <m:r>
+                      <a:rPr lang="en-US" altLang="zh-CN" i="1">
+                        <a:latin typeface="Cambria Math" panose="02040503050406030204" pitchFamily="18" charset="0"/>
+                      </a:rPr>
+                      <m:t>𝑡</m:t>
+                    </m:r>
+                    <m:r>
+                      <a:rPr lang="en-US" altLang="zh-CN" i="1">
+                        <a:latin typeface="Cambria Math" panose="02040503050406030204" pitchFamily="18" charset="0"/>
+                      </a:rPr>
+                      <m:t>≥15</m:t>
+                    </m:r>
+                  </m:oMath>
+                </a14:m>
+                <a:endParaRPr lang="en-US" altLang="zh-CN" dirty="0"/>
+              </a:p>
+              <a:p>
+                <a:pPr marL="0" indent="0">
+                  <a:buNone/>
+                </a:pPr>
+                <a:endParaRPr lang="en-US" altLang="zh-CN" dirty="0" smtClean="0"/>
+              </a:p>
+              <a:p>
+                <a:endParaRPr lang="zh-CN" altLang="en-US" dirty="0"/>
+              </a:p>
+            </p:txBody>
+          </p:sp>
+        </mc:Choice>
+        <mc:Fallback>
+          <p:sp>
+            <p:nvSpPr>
+              <p:cNvPr id="3" name="内容占位符 2"/>
+              <p:cNvSpPr>
+                <a:spLocks noGrp="1" noRot="1" noChangeAspect="1" noMove="1" noResize="1" noEditPoints="1" noAdjustHandles="1" noChangeArrowheads="1" noChangeShapeType="1" noTextEdit="1"/>
+              </p:cNvSpPr>
+              <p:nvPr>
+                <p:ph idx="1"/>
+              </p:nvPr>
+            </p:nvSpPr>
+            <p:spPr>
+              <a:blipFill rotWithShape="0">
+                <a:blip r:embed="rId2"/>
+                <a:stretch>
+                  <a:fillRect l="-1043" t="-3081"/>
+                </a:stretch>
+              </a:blipFill>
+            </p:spPr>
+            <p:txBody>
+              <a:bodyPr/>
+              <a:lstStyle/>
+              <a:p>
+                <a:r>
+                  <a:rPr lang="zh-CN" altLang="en-US">
+                    <a:noFill/>
+                  </a:rPr>
+                  <a:t> </a:t>
+                </a:r>
+              </a:p>
+            </p:txBody>
+          </p:sp>
+        </mc:Fallback>
+      </mc:AlternateContent>
     </p:spTree>
     <p:extLst>
       <p:ext uri="{BB962C8B-B14F-4D97-AF65-F5344CB8AC3E}">
@@ -4336,25 +5561,95 @@
           </a:p>
         </p:txBody>
       </p:sp>
-      <p:sp>
-        <p:nvSpPr>
-          <p:cNvPr id="3" name="内容占位符 2"/>
-          <p:cNvSpPr>
-            <a:spLocks noGrp="1"/>
-          </p:cNvSpPr>
+      <p:pic>
+        <p:nvPicPr>
+          <p:cNvPr id="4" name="内容占位符 3" title="Figure 1"/>
+          <p:cNvPicPr>
+            <a:picLocks noGrp="1" noChangeAspect="1"/>
+          </p:cNvPicPr>
           <p:nvPr>
             <p:ph idx="1"/>
           </p:nvPr>
-        </p:nvSpPr>
-        <p:spPr/>
-        <p:txBody>
-          <a:bodyPr/>
-          <a:lstStyle/>
-          <a:p>
-            <a:endParaRPr lang="zh-CN" altLang="en-US"/>
-          </a:p>
-        </p:txBody>
-      </p:sp>
+        </p:nvPicPr>
+        <p:blipFill>
+          <a:blip r:embed="rId2">
+            <a:extLst>
+              <a:ext uri="{28A0092B-C50C-407E-A947-70E740481C1C}">
+                <a14:useLocalDpi xmlns:a14="http://schemas.microsoft.com/office/drawing/2010/main" val="0"/>
+              </a:ext>
+            </a:extLst>
+          </a:blip>
+          <a:stretch>
+            <a:fillRect/>
+          </a:stretch>
+        </p:blipFill>
+        <p:spPr>
+          <a:xfrm>
+            <a:off x="326753" y="1282440"/>
+            <a:ext cx="3797284" cy="2655707"/>
+          </a:xfrm>
+        </p:spPr>
+      </p:pic>
+      <p:pic>
+        <p:nvPicPr>
+          <p:cNvPr id="5" name="图片 4"/>
+          <p:cNvPicPr>
+            <a:picLocks noChangeAspect="1"/>
+          </p:cNvPicPr>
+          <p:nvPr/>
+        </p:nvPicPr>
+        <p:blipFill>
+          <a:blip r:embed="rId3">
+            <a:extLst>
+              <a:ext uri="{28A0092B-C50C-407E-A947-70E740481C1C}">
+                <a14:useLocalDpi xmlns:a14="http://schemas.microsoft.com/office/drawing/2010/main" val="0"/>
+              </a:ext>
+            </a:extLst>
+          </a:blip>
+          <a:stretch>
+            <a:fillRect/>
+          </a:stretch>
+        </p:blipFill>
+        <p:spPr>
+          <a:xfrm>
+            <a:off x="4124036" y="1283023"/>
+            <a:ext cx="3943928" cy="2654663"/>
+          </a:xfrm>
+          <a:prstGeom prst="rect">
+            <a:avLst/>
+          </a:prstGeom>
+        </p:spPr>
+      </p:pic>
+      <p:pic>
+        <p:nvPicPr>
+          <p:cNvPr id="6" name="图片 5"/>
+          <p:cNvPicPr>
+            <a:picLocks noChangeAspect="1"/>
+          </p:cNvPicPr>
+          <p:nvPr/>
+        </p:nvPicPr>
+        <p:blipFill>
+          <a:blip r:embed="rId4">
+            <a:extLst>
+              <a:ext uri="{28A0092B-C50C-407E-A947-70E740481C1C}">
+                <a14:useLocalDpi xmlns:a14="http://schemas.microsoft.com/office/drawing/2010/main" val="0"/>
+              </a:ext>
+            </a:extLst>
+          </a:blip>
+          <a:stretch>
+            <a:fillRect/>
+          </a:stretch>
+        </p:blipFill>
+        <p:spPr>
+          <a:xfrm>
+            <a:off x="7935986" y="1279633"/>
+            <a:ext cx="3956820" cy="2663341"/>
+          </a:xfrm>
+          <a:prstGeom prst="rect">
+            <a:avLst/>
+          </a:prstGeom>
+        </p:spPr>
+      </p:pic>
     </p:spTree>
     <p:extLst>
       <p:ext uri="{BB962C8B-B14F-4D97-AF65-F5344CB8AC3E}">
@@ -4425,15 +5720,41 @@
           <a:p>
             <a:r>
               <a:rPr lang="en-US" altLang="zh-CN" dirty="0" smtClean="0"/>
-              <a:t>The neural network model is able to correctly predict the trend of motion.</a:t>
-            </a:r>
+              <a:t>Neural network is able to approximate the dynamics of systems</a:t>
+            </a:r>
+          </a:p>
+          <a:p>
             <a:endParaRPr lang="en-US" altLang="zh-CN" dirty="0"/>
           </a:p>
           <a:p>
             <a:r>
               <a:rPr lang="en-US" altLang="zh-CN" dirty="0" smtClean="0"/>
-              <a:t>The </a:t>
-            </a:r>
+              <a:t>Even a network with really simple structure is able to</a:t>
+            </a:r>
+            <a:r>
+              <a:rPr lang="en-US" altLang="zh-CN" dirty="0" smtClean="0"/>
+              <a:t> model system with complexity</a:t>
+            </a:r>
+          </a:p>
+          <a:p>
+            <a:endParaRPr lang="en-US" altLang="zh-CN" dirty="0"/>
+          </a:p>
+          <a:p>
+            <a:r>
+              <a:rPr lang="en-US" altLang="zh-CN" dirty="0" smtClean="0"/>
+              <a:t>The neural network have some ability to handle </a:t>
+            </a:r>
+            <a:r>
+              <a:rPr lang="en-US" altLang="zh-CN" dirty="0" smtClean="0"/>
+              <a:t>situation that is not presented in the training set</a:t>
+            </a:r>
+            <a:endParaRPr lang="en-US" altLang="zh-CN" dirty="0" smtClean="0"/>
+          </a:p>
+          <a:p>
+            <a:endParaRPr lang="en-US" altLang="zh-CN" dirty="0"/>
+          </a:p>
+          <a:p>
+            <a:endParaRPr lang="en-US" altLang="zh-CN" dirty="0" smtClean="0"/>
           </a:p>
         </p:txBody>
       </p:sp>
@@ -4912,8 +6233,8 @@
           </a:p>
         </p:txBody>
       </p:sp>
-      <mc:AlternateContent xmlns:mc="http://schemas.openxmlformats.org/markup-compatibility/2006">
-        <mc:Choice xmlns:a14="http://schemas.microsoft.com/office/drawing/2010/main" Requires="a14">
+      <mc:AlternateContent xmlns:mc="http://schemas.openxmlformats.org/markup-compatibility/2006" xmlns:a14="http://schemas.microsoft.com/office/drawing/2010/main">
+        <mc:Choice Requires="a14">
           <p:sp>
             <p:nvSpPr>
               <p:cNvPr id="67" name="Google Shape;67;p15"/>
@@ -5046,7 +6367,7 @@
             </p:txBody>
           </p:sp>
         </mc:Choice>
-        <mc:Fallback>
+        <mc:Fallback xmlns="">
           <p:sp>
             <p:nvSpPr>
               <p:cNvPr id="67" name="Google Shape;67;p15"/>
@@ -5170,8 +6491,8 @@
           </a:p>
         </p:txBody>
       </p:sp>
-      <mc:AlternateContent xmlns:mc="http://schemas.openxmlformats.org/markup-compatibility/2006">
-        <mc:Choice xmlns:a14="http://schemas.microsoft.com/office/drawing/2010/main" Requires="a14">
+      <mc:AlternateContent xmlns:mc="http://schemas.openxmlformats.org/markup-compatibility/2006" xmlns:a14="http://schemas.microsoft.com/office/drawing/2010/main">
+        <mc:Choice Requires="a14">
           <p:sp>
             <p:nvSpPr>
               <p:cNvPr id="3" name="内容占位符 2"/>
@@ -5314,7 +6635,7 @@
             </p:txBody>
           </p:sp>
         </mc:Choice>
-        <mc:Fallback>
+        <mc:Fallback xmlns="">
           <p:sp>
             <p:nvSpPr>
               <p:cNvPr id="3" name="内容占位符 2"/>
@@ -5458,14 +6779,11 @@
                 <a:pPr lvl="1" algn="just"/>
                 <a:r>
                   <a:rPr lang="en-US" altLang="zh-CN" dirty="0" smtClean="0"/>
-                  <a:t>Learn the model of a vehicle from execution data.</a:t>
+                  <a:t>To </a:t>
                 </a:r>
-              </a:p>
-              <a:p>
-                <a:pPr lvl="1" algn="just"/>
                 <a:r>
                   <a:rPr lang="en-US" altLang="zh-CN" dirty="0" smtClean="0"/>
-                  <a:t>To simplify the procedure of collecting data, using data from simulation.</a:t>
+                  <a:t>simplify the procedure of collecting data, using data from simulation.</a:t>
                 </a:r>
               </a:p>
               <a:p>
@@ -5628,11 +6946,7 @@
                 </a14:m>
                 <a:r>
                   <a:rPr lang="en-US" altLang="zh-CN" dirty="0" smtClean="0"/>
-                  <a:t> </a:t>
-                </a:r>
-                <a:r>
-                  <a:rPr lang="en-US" altLang="zh-CN" dirty="0" smtClean="0"/>
-                  <a:t>and </a:t>
+                  <a:t> and </a:t>
                 </a:r>
                 <a14:m>
                   <m:oMath xmlns:m="http://schemas.openxmlformats.org/officeDocument/2006/math">
@@ -5815,8 +7129,8 @@
           </a:p>
         </p:txBody>
       </p:sp>
-      <mc:AlternateContent xmlns:mc="http://schemas.openxmlformats.org/markup-compatibility/2006">
-        <mc:Choice xmlns:a14="http://schemas.microsoft.com/office/drawing/2010/main" Requires="a14">
+      <mc:AlternateContent xmlns:mc="http://schemas.openxmlformats.org/markup-compatibility/2006" xmlns:a14="http://schemas.microsoft.com/office/drawing/2010/main">
+        <mc:Choice Requires="a14">
           <p:sp>
             <p:nvSpPr>
               <p:cNvPr id="3" name="内容占位符 2"/>
@@ -5926,11 +7240,7 @@
                 </a14:m>
                 <a:r>
                   <a:rPr lang="en-US" altLang="zh-CN" dirty="0" smtClean="0"/>
-                  <a:t>. The output of the network is the difference between current state and next state, i</a:t>
-                </a:r>
-                <a:r>
-                  <a:rPr lang="en-US" altLang="zh-CN" dirty="0" smtClean="0"/>
-                  <a:t>.e. </a:t>
+                  <a:t>. The output of the network is the difference between current state and next state, i.e. </a:t>
                 </a:r>
                 <a14:m>
                   <m:oMath xmlns:m="http://schemas.openxmlformats.org/officeDocument/2006/math">
@@ -6035,7 +7345,7 @@
             </p:txBody>
           </p:sp>
         </mc:Choice>
-        <mc:Fallback>
+        <mc:Fallback xmlns="">
           <p:sp>
             <p:nvSpPr>
               <p:cNvPr id="3" name="内容占位符 2"/>
@@ -6158,13 +7468,8 @@
           <a:p>
             <a:r>
               <a:rPr lang="en-US" altLang="zh-CN" dirty="0" smtClean="0"/>
-              <a:t>The training labels are obtained by calculating the difference between </a:t>
-            </a:r>
-            <a:r>
-              <a:rPr lang="en-US" altLang="zh-CN" dirty="0" smtClean="0"/>
-              <a:t>current state variable and next state variable divided by time step. </a:t>
-            </a:r>
-            <a:endParaRPr lang="en-US" altLang="zh-CN" dirty="0" smtClean="0"/>
+              <a:t>The training labels are obtained by calculating the difference between current state variable and next state variable divided by time step. </a:t>
+            </a:r>
           </a:p>
         </p:txBody>
       </p:sp>

--- a/ECE584_Final_Presentation.pptx
+++ b/ECE584_Final_Presentation.pptx
@@ -5,23 +5,25 @@
     <p:sldMasterId id="2147483648" r:id="rId1"/>
   </p:sldMasterIdLst>
   <p:notesMasterIdLst>
-    <p:notesMasterId r:id="rId16"/>
+    <p:notesMasterId r:id="rId18"/>
   </p:notesMasterIdLst>
   <p:sldIdLst>
     <p:sldId id="257" r:id="rId2"/>
     <p:sldId id="258" r:id="rId3"/>
     <p:sldId id="259" r:id="rId4"/>
-    <p:sldId id="261" r:id="rId5"/>
-    <p:sldId id="262" r:id="rId6"/>
-    <p:sldId id="263" r:id="rId7"/>
-    <p:sldId id="269" r:id="rId8"/>
-    <p:sldId id="264" r:id="rId9"/>
-    <p:sldId id="270" r:id="rId10"/>
-    <p:sldId id="271" r:id="rId11"/>
-    <p:sldId id="272" r:id="rId12"/>
-    <p:sldId id="273" r:id="rId13"/>
-    <p:sldId id="274" r:id="rId14"/>
-    <p:sldId id="275" r:id="rId15"/>
+    <p:sldId id="277" r:id="rId5"/>
+    <p:sldId id="263" r:id="rId6"/>
+    <p:sldId id="261" r:id="rId7"/>
+    <p:sldId id="262" r:id="rId8"/>
+    <p:sldId id="269" r:id="rId9"/>
+    <p:sldId id="264" r:id="rId10"/>
+    <p:sldId id="276" r:id="rId11"/>
+    <p:sldId id="270" r:id="rId12"/>
+    <p:sldId id="271" r:id="rId13"/>
+    <p:sldId id="272" r:id="rId14"/>
+    <p:sldId id="273" r:id="rId15"/>
+    <p:sldId id="274" r:id="rId16"/>
+    <p:sldId id="275" r:id="rId17"/>
   </p:sldIdLst>
   <p:sldSz cx="12192000" cy="6858000"/>
   <p:notesSz cx="6858000" cy="9144000"/>
@@ -210,7 +212,7 @@
           <a:p>
             <a:fld id="{88F9936D-937D-4547-8FF3-55725258598B}" type="datetimeFigureOut">
               <a:rPr lang="zh-CN" altLang="en-US" smtClean="0"/>
-              <a:t>2019/12/2</a:t>
+              <a:t>2019/12/3</a:t>
             </a:fld>
             <a:endParaRPr lang="zh-CN" altLang="en-US"/>
           </a:p>
@@ -1045,7 +1047,7 @@
           <a:p>
             <a:fld id="{8FD1540C-2377-41F4-8233-609BD7814349}" type="datetimeFigureOut">
               <a:rPr lang="zh-CN" altLang="en-US" smtClean="0"/>
-              <a:t>2019/12/2</a:t>
+              <a:t>2019/12/3</a:t>
             </a:fld>
             <a:endParaRPr lang="zh-CN" altLang="en-US"/>
           </a:p>
@@ -1215,7 +1217,7 @@
           <a:p>
             <a:fld id="{8FD1540C-2377-41F4-8233-609BD7814349}" type="datetimeFigureOut">
               <a:rPr lang="zh-CN" altLang="en-US" smtClean="0"/>
-              <a:t>2019/12/2</a:t>
+              <a:t>2019/12/3</a:t>
             </a:fld>
             <a:endParaRPr lang="zh-CN" altLang="en-US"/>
           </a:p>
@@ -1395,7 +1397,7 @@
           <a:p>
             <a:fld id="{8FD1540C-2377-41F4-8233-609BD7814349}" type="datetimeFigureOut">
               <a:rPr lang="zh-CN" altLang="en-US" smtClean="0"/>
-              <a:t>2019/12/2</a:t>
+              <a:t>2019/12/3</a:t>
             </a:fld>
             <a:endParaRPr lang="zh-CN" altLang="en-US"/>
           </a:p>
@@ -1924,7 +1926,7 @@
           <a:p>
             <a:fld id="{8FD1540C-2377-41F4-8233-609BD7814349}" type="datetimeFigureOut">
               <a:rPr lang="zh-CN" altLang="en-US" smtClean="0"/>
-              <a:t>2019/12/2</a:t>
+              <a:t>2019/12/3</a:t>
             </a:fld>
             <a:endParaRPr lang="zh-CN" altLang="en-US"/>
           </a:p>
@@ -2170,7 +2172,7 @@
           <a:p>
             <a:fld id="{8FD1540C-2377-41F4-8233-609BD7814349}" type="datetimeFigureOut">
               <a:rPr lang="zh-CN" altLang="en-US" smtClean="0"/>
-              <a:t>2019/12/2</a:t>
+              <a:t>2019/12/3</a:t>
             </a:fld>
             <a:endParaRPr lang="zh-CN" altLang="en-US"/>
           </a:p>
@@ -2402,7 +2404,7 @@
           <a:p>
             <a:fld id="{8FD1540C-2377-41F4-8233-609BD7814349}" type="datetimeFigureOut">
               <a:rPr lang="zh-CN" altLang="en-US" smtClean="0"/>
-              <a:t>2019/12/2</a:t>
+              <a:t>2019/12/3</a:t>
             </a:fld>
             <a:endParaRPr lang="zh-CN" altLang="en-US"/>
           </a:p>
@@ -2769,7 +2771,7 @@
           <a:p>
             <a:fld id="{8FD1540C-2377-41F4-8233-609BD7814349}" type="datetimeFigureOut">
               <a:rPr lang="zh-CN" altLang="en-US" smtClean="0"/>
-              <a:t>2019/12/2</a:t>
+              <a:t>2019/12/3</a:t>
             </a:fld>
             <a:endParaRPr lang="zh-CN" altLang="en-US"/>
           </a:p>
@@ -2887,7 +2889,7 @@
           <a:p>
             <a:fld id="{8FD1540C-2377-41F4-8233-609BD7814349}" type="datetimeFigureOut">
               <a:rPr lang="zh-CN" altLang="en-US" smtClean="0"/>
-              <a:t>2019/12/2</a:t>
+              <a:t>2019/12/3</a:t>
             </a:fld>
             <a:endParaRPr lang="zh-CN" altLang="en-US"/>
           </a:p>
@@ -2982,7 +2984,7 @@
           <a:p>
             <a:fld id="{8FD1540C-2377-41F4-8233-609BD7814349}" type="datetimeFigureOut">
               <a:rPr lang="zh-CN" altLang="en-US" smtClean="0"/>
-              <a:t>2019/12/2</a:t>
+              <a:t>2019/12/3</a:t>
             </a:fld>
             <a:endParaRPr lang="zh-CN" altLang="en-US"/>
           </a:p>
@@ -3259,7 +3261,7 @@
           <a:p>
             <a:fld id="{8FD1540C-2377-41F4-8233-609BD7814349}" type="datetimeFigureOut">
               <a:rPr lang="zh-CN" altLang="en-US" smtClean="0"/>
-              <a:t>2019/12/2</a:t>
+              <a:t>2019/12/3</a:t>
             </a:fld>
             <a:endParaRPr lang="zh-CN" altLang="en-US"/>
           </a:p>
@@ -3512,7 +3514,7 @@
           <a:p>
             <a:fld id="{8FD1540C-2377-41F4-8233-609BD7814349}" type="datetimeFigureOut">
               <a:rPr lang="zh-CN" altLang="en-US" smtClean="0"/>
-              <a:t>2019/12/2</a:t>
+              <a:t>2019/12/3</a:t>
             </a:fld>
             <a:endParaRPr lang="zh-CN" altLang="en-US"/>
           </a:p>
@@ -3725,7 +3727,7 @@
           <a:p>
             <a:fld id="{8FD1540C-2377-41F4-8233-609BD7814349}" type="datetimeFigureOut">
               <a:rPr lang="zh-CN" altLang="en-US" smtClean="0"/>
-              <a:t>2019/12/2</a:t>
+              <a:t>2019/12/3</a:t>
             </a:fld>
             <a:endParaRPr lang="zh-CN" altLang="en-US"/>
           </a:p>
@@ -4204,10 +4206,26 @@
               </a:spcBef>
             </a:pPr>
             <a:r>
-              <a:rPr lang="zh-CN"/>
-              <a:t>Yangge Li</a:t>
-            </a:r>
-            <a:endParaRPr/>
+              <a:rPr lang="zh-CN" dirty="0"/>
+              <a:t>Yangge </a:t>
+            </a:r>
+            <a:r>
+              <a:rPr lang="zh-CN" dirty="0" smtClean="0"/>
+              <a:t>Li</a:t>
+            </a:r>
+            <a:endParaRPr lang="en-US" altLang="zh-CN" dirty="0" smtClean="0"/>
+          </a:p>
+          <a:p>
+            <a:pPr>
+              <a:spcBef>
+                <a:spcPts val="0"/>
+              </a:spcBef>
+            </a:pPr>
+            <a:r>
+              <a:rPr lang="en-US" dirty="0" smtClean="0"/>
+              <a:t>ECE 584</a:t>
+            </a:r>
+            <a:endParaRPr dirty="0"/>
           </a:p>
         </p:txBody>
       </p:sp>
@@ -4257,6 +4275,295 @@
           <a:lstStyle/>
           <a:p>
             <a:r>
+              <a:rPr lang="en-US" altLang="zh-CN" dirty="0" smtClean="0"/>
+              <a:t>Example Trajectories for Training	</a:t>
+            </a:r>
+            <a:endParaRPr lang="zh-CN" altLang="en-US" dirty="0"/>
+          </a:p>
+        </p:txBody>
+      </p:sp>
+      <p:pic>
+        <p:nvPicPr>
+          <p:cNvPr id="4" name="内容占位符 3"/>
+          <p:cNvPicPr>
+            <a:picLocks noGrp="1" noChangeAspect="1"/>
+          </p:cNvPicPr>
+          <p:nvPr>
+            <p:ph idx="1"/>
+          </p:nvPr>
+        </p:nvPicPr>
+        <p:blipFill>
+          <a:blip r:embed="rId2">
+            <a:extLst>
+              <a:ext uri="{28A0092B-C50C-407E-A947-70E740481C1C}">
+                <a14:useLocalDpi xmlns:a14="http://schemas.microsoft.com/office/drawing/2010/main" val="0"/>
+              </a:ext>
+            </a:extLst>
+          </a:blip>
+          <a:stretch>
+            <a:fillRect/>
+          </a:stretch>
+        </p:blipFill>
+        <p:spPr>
+          <a:xfrm>
+            <a:off x="2133600" y="1473335"/>
+            <a:ext cx="3746500" cy="2476365"/>
+          </a:xfrm>
+        </p:spPr>
+      </p:pic>
+      <p:pic>
+        <p:nvPicPr>
+          <p:cNvPr id="5" name="图片 4"/>
+          <p:cNvPicPr>
+            <a:picLocks noChangeAspect="1"/>
+          </p:cNvPicPr>
+          <p:nvPr/>
+        </p:nvPicPr>
+        <p:blipFill>
+          <a:blip r:embed="rId3">
+            <a:extLst>
+              <a:ext uri="{28A0092B-C50C-407E-A947-70E740481C1C}">
+                <a14:useLocalDpi xmlns:a14="http://schemas.microsoft.com/office/drawing/2010/main" val="0"/>
+              </a:ext>
+            </a:extLst>
+          </a:blip>
+          <a:stretch>
+            <a:fillRect/>
+          </a:stretch>
+        </p:blipFill>
+        <p:spPr>
+          <a:xfrm>
+            <a:off x="6540500" y="1473334"/>
+            <a:ext cx="3746500" cy="2476366"/>
+          </a:xfrm>
+          <a:prstGeom prst="rect">
+            <a:avLst/>
+          </a:prstGeom>
+        </p:spPr>
+      </p:pic>
+      <p:pic>
+        <p:nvPicPr>
+          <p:cNvPr id="6" name="图片 5"/>
+          <p:cNvPicPr>
+            <a:picLocks noChangeAspect="1"/>
+          </p:cNvPicPr>
+          <p:nvPr/>
+        </p:nvPicPr>
+        <p:blipFill>
+          <a:blip r:embed="rId4">
+            <a:extLst>
+              <a:ext uri="{28A0092B-C50C-407E-A947-70E740481C1C}">
+                <a14:useLocalDpi xmlns:a14="http://schemas.microsoft.com/office/drawing/2010/main" val="0"/>
+              </a:ext>
+            </a:extLst>
+          </a:blip>
+          <a:stretch>
+            <a:fillRect/>
+          </a:stretch>
+        </p:blipFill>
+        <p:spPr>
+          <a:xfrm>
+            <a:off x="2133600" y="3949700"/>
+            <a:ext cx="3746500" cy="2358891"/>
+          </a:xfrm>
+          <a:prstGeom prst="rect">
+            <a:avLst/>
+          </a:prstGeom>
+        </p:spPr>
+      </p:pic>
+      <p:pic>
+        <p:nvPicPr>
+          <p:cNvPr id="7" name="图片 6"/>
+          <p:cNvPicPr>
+            <a:picLocks noChangeAspect="1"/>
+          </p:cNvPicPr>
+          <p:nvPr/>
+        </p:nvPicPr>
+        <p:blipFill>
+          <a:blip r:embed="rId5">
+            <a:extLst>
+              <a:ext uri="{28A0092B-C50C-407E-A947-70E740481C1C}">
+                <a14:useLocalDpi xmlns:a14="http://schemas.microsoft.com/office/drawing/2010/main" val="0"/>
+              </a:ext>
+            </a:extLst>
+          </a:blip>
+          <a:stretch>
+            <a:fillRect/>
+          </a:stretch>
+        </p:blipFill>
+        <p:spPr>
+          <a:xfrm>
+            <a:off x="6540500" y="3949699"/>
+            <a:ext cx="3746500" cy="2358892"/>
+          </a:xfrm>
+          <a:prstGeom prst="rect">
+            <a:avLst/>
+          </a:prstGeom>
+        </p:spPr>
+      </p:pic>
+    </p:spTree>
+    <p:extLst>
+      <p:ext uri="{BB962C8B-B14F-4D97-AF65-F5344CB8AC3E}">
+        <p14:creationId xmlns:p14="http://schemas.microsoft.com/office/powerpoint/2010/main" val="2472963156"/>
+      </p:ext>
+    </p:extLst>
+  </p:cSld>
+  <p:clrMapOvr>
+    <a:masterClrMapping/>
+  </p:clrMapOvr>
+</p:sld>
+</file>
+
+<file path=ppt/slides/slide11.xml><?xml version="1.0" encoding="utf-8"?>
+<p:sld xmlns:a="http://schemas.openxmlformats.org/drawingml/2006/main" xmlns:r="http://schemas.openxmlformats.org/officeDocument/2006/relationships" xmlns:p="http://schemas.openxmlformats.org/presentationml/2006/main">
+  <p:cSld>
+    <p:spTree>
+      <p:nvGrpSpPr>
+        <p:cNvPr id="1" name=""/>
+        <p:cNvGrpSpPr/>
+        <p:nvPr/>
+      </p:nvGrpSpPr>
+      <p:grpSpPr>
+        <a:xfrm>
+          <a:off x="0" y="0"/>
+          <a:ext cx="0" cy="0"/>
+          <a:chOff x="0" y="0"/>
+          <a:chExt cx="0" cy="0"/>
+        </a:xfrm>
+      </p:grpSpPr>
+      <p:sp>
+        <p:nvSpPr>
+          <p:cNvPr id="2" name="标题 1"/>
+          <p:cNvSpPr>
+            <a:spLocks noGrp="1"/>
+          </p:cNvSpPr>
+          <p:nvPr>
+            <p:ph type="title"/>
+          </p:nvPr>
+        </p:nvSpPr>
+        <p:spPr/>
+        <p:txBody>
+          <a:bodyPr/>
+          <a:lstStyle/>
+          <a:p>
+            <a:r>
+              <a:rPr lang="en-US" altLang="zh-CN" dirty="0" smtClean="0"/>
+              <a:t>Experiment Result</a:t>
+            </a:r>
+            <a:endParaRPr lang="zh-CN" altLang="en-US" dirty="0"/>
+          </a:p>
+        </p:txBody>
+      </p:sp>
+      <p:sp>
+        <p:nvSpPr>
+          <p:cNvPr id="3" name="内容占位符 2"/>
+          <p:cNvSpPr>
+            <a:spLocks noGrp="1"/>
+          </p:cNvSpPr>
+          <p:nvPr>
+            <p:ph idx="1"/>
+          </p:nvPr>
+        </p:nvSpPr>
+        <p:spPr/>
+        <p:txBody>
+          <a:bodyPr>
+            <a:normAutofit/>
+          </a:bodyPr>
+          <a:lstStyle/>
+          <a:p>
+            <a:pPr algn="just"/>
+            <a:r>
+              <a:rPr lang="en-US" altLang="zh-CN" dirty="0" smtClean="0"/>
+              <a:t>To test the performance of the model I obtained. I </a:t>
+            </a:r>
+            <a:r>
+              <a:rPr lang="en-US" altLang="zh-CN" dirty="0" smtClean="0"/>
+              <a:t>compute trajectories inductively using the </a:t>
+            </a:r>
+            <a:r>
+              <a:rPr lang="en-US" altLang="zh-CN" dirty="0" smtClean="0"/>
+              <a:t>model I obtained with random initial state and time varying </a:t>
+            </a:r>
+            <a:r>
+              <a:rPr lang="en-US" altLang="zh-CN" dirty="0" smtClean="0"/>
+              <a:t>input (turning angle) </a:t>
+            </a:r>
+            <a:r>
+              <a:rPr lang="en-US" altLang="zh-CN" dirty="0" smtClean="0"/>
+              <a:t>between -30 to 30 degree. </a:t>
+            </a:r>
+          </a:p>
+          <a:p>
+            <a:pPr algn="just"/>
+            <a:endParaRPr lang="en-US" altLang="zh-CN" dirty="0" smtClean="0"/>
+          </a:p>
+          <a:p>
+            <a:pPr algn="just"/>
+            <a:r>
+              <a:rPr lang="en-US" altLang="zh-CN" dirty="0" smtClean="0"/>
+              <a:t>Simulation is performed with same initial state and same input sequence and the simulation results are compared </a:t>
+            </a:r>
+            <a:r>
+              <a:rPr lang="en-US" altLang="zh-CN" dirty="0" smtClean="0"/>
+              <a:t>trajectory calculated from </a:t>
+            </a:r>
+            <a:r>
+              <a:rPr lang="en-US" altLang="zh-CN" dirty="0" smtClean="0"/>
+              <a:t>my model.</a:t>
+            </a:r>
+          </a:p>
+          <a:p>
+            <a:pPr algn="just"/>
+            <a:endParaRPr lang="en-US" altLang="zh-CN" dirty="0"/>
+          </a:p>
+        </p:txBody>
+      </p:sp>
+    </p:spTree>
+    <p:extLst>
+      <p:ext uri="{BB962C8B-B14F-4D97-AF65-F5344CB8AC3E}">
+        <p14:creationId xmlns:p14="http://schemas.microsoft.com/office/powerpoint/2010/main" val="2189049263"/>
+      </p:ext>
+    </p:extLst>
+  </p:cSld>
+  <p:clrMapOvr>
+    <a:masterClrMapping/>
+  </p:clrMapOvr>
+</p:sld>
+</file>
+
+<file path=ppt/slides/slide12.xml><?xml version="1.0" encoding="utf-8"?>
+<p:sld xmlns:a="http://schemas.openxmlformats.org/drawingml/2006/main" xmlns:r="http://schemas.openxmlformats.org/officeDocument/2006/relationships" xmlns:p="http://schemas.openxmlformats.org/presentationml/2006/main">
+  <p:cSld>
+    <p:spTree>
+      <p:nvGrpSpPr>
+        <p:cNvPr id="1" name=""/>
+        <p:cNvGrpSpPr/>
+        <p:nvPr/>
+      </p:nvGrpSpPr>
+      <p:grpSpPr>
+        <a:xfrm>
+          <a:off x="0" y="0"/>
+          <a:ext cx="0" cy="0"/>
+          <a:chOff x="0" y="0"/>
+          <a:chExt cx="0" cy="0"/>
+        </a:xfrm>
+      </p:grpSpPr>
+      <p:sp>
+        <p:nvSpPr>
+          <p:cNvPr id="2" name="标题 1"/>
+          <p:cNvSpPr>
+            <a:spLocks noGrp="1"/>
+          </p:cNvSpPr>
+          <p:nvPr>
+            <p:ph type="title"/>
+          </p:nvPr>
+        </p:nvSpPr>
+        <p:spPr/>
+        <p:txBody>
+          <a:bodyPr/>
+          <a:lstStyle/>
+          <a:p>
+            <a:r>
               <a:rPr lang="en-US" altLang="zh-CN" dirty="0"/>
               <a:t>Experiment Result</a:t>
             </a:r>
@@ -4264,8 +4571,8 @@
           </a:p>
         </p:txBody>
       </p:sp>
-      <mc:AlternateContent xmlns:mc="http://schemas.openxmlformats.org/markup-compatibility/2006">
-        <mc:Choice xmlns:a14="http://schemas.microsoft.com/office/drawing/2010/main" Requires="a14">
+      <mc:AlternateContent xmlns:mc="http://schemas.openxmlformats.org/markup-compatibility/2006" xmlns:a14="http://schemas.microsoft.com/office/drawing/2010/main">
+        <mc:Choice Requires="a14">
           <p:sp>
             <p:nvSpPr>
               <p:cNvPr id="3" name="内容占位符 2"/>
@@ -4293,7 +4600,6 @@
                   <a:rPr lang="en-US" altLang="zh-CN" dirty="0" smtClean="0"/>
                   <a:t>Trajectory 1:</a:t>
                 </a:r>
-                <a:endParaRPr lang="en-US" altLang="zh-CN" dirty="0" smtClean="0"/>
               </a:p>
               <a:p>
                 <a:pPr lvl="1"/>
@@ -4512,13 +4818,7 @@
                       <a:rPr lang="en-US" altLang="zh-CN" b="0" i="1" smtClean="0">
                         <a:latin typeface="Cambria Math" panose="02040503050406030204" pitchFamily="18" charset="0"/>
                       </a:rPr>
-                      <m:t>=2</m:t>
-                    </m:r>
-                    <m:r>
-                      <a:rPr lang="en-US" altLang="zh-CN" b="0" i="1" smtClean="0">
-                        <a:latin typeface="Cambria Math" panose="02040503050406030204" pitchFamily="18" charset="0"/>
-                      </a:rPr>
-                      <m:t>8</m:t>
+                      <m:t>=28</m:t>
                     </m:r>
                   </m:oMath>
                 </a14:m>
@@ -4587,13 +4887,7 @@
                       <a:rPr lang="en-US" altLang="zh-CN" b="0" i="1" smtClean="0">
                         <a:latin typeface="Cambria Math" panose="02040503050406030204" pitchFamily="18" charset="0"/>
                       </a:rPr>
-                      <m:t>−1</m:t>
-                    </m:r>
-                    <m:r>
-                      <a:rPr lang="en-US" altLang="zh-CN" b="0" i="1" smtClean="0">
-                        <a:latin typeface="Cambria Math" panose="02040503050406030204" pitchFamily="18" charset="0"/>
-                      </a:rPr>
-                      <m:t>5</m:t>
+                      <m:t>−15</m:t>
                     </m:r>
                   </m:oMath>
                 </a14:m>
@@ -4686,13 +4980,7 @@
                       <a:rPr lang="en-US" altLang="zh-CN" b="0" i="1" smtClean="0">
                         <a:latin typeface="Cambria Math" panose="02040503050406030204" pitchFamily="18" charset="0"/>
                       </a:rPr>
-                      <m:t>=</m:t>
-                    </m:r>
-                    <m:r>
-                      <a:rPr lang="en-US" altLang="zh-CN" b="0" i="1" smtClean="0">
-                        <a:latin typeface="Cambria Math" panose="02040503050406030204" pitchFamily="18" charset="0"/>
-                      </a:rPr>
-                      <m:t>16</m:t>
+                      <m:t>=16</m:t>
                     </m:r>
                   </m:oMath>
                 </a14:m>
@@ -4771,13 +5059,7 @@
                       <a:rPr lang="en-US" altLang="zh-CN" b="0" i="1" smtClean="0">
                         <a:latin typeface="Cambria Math" panose="02040503050406030204" pitchFamily="18" charset="0"/>
                       </a:rPr>
-                      <m:t>=−</m:t>
-                    </m:r>
-                    <m:r>
-                      <a:rPr lang="en-US" altLang="zh-CN" b="0" i="1" smtClean="0">
-                        <a:latin typeface="Cambria Math" panose="02040503050406030204" pitchFamily="18" charset="0"/>
-                      </a:rPr>
-                      <m:t>27</m:t>
+                      <m:t>=−27</m:t>
                     </m:r>
                   </m:oMath>
                 </a14:m>
@@ -5173,19 +5455,7 @@
                       <a:rPr lang="en-US" altLang="zh-CN" i="1">
                         <a:latin typeface="Cambria Math" panose="02040503050406030204" pitchFamily="18" charset="0"/>
                       </a:rPr>
-                      <m:t>=</m:t>
-                    </m:r>
-                    <m:r>
-                      <a:rPr lang="en-US" altLang="zh-CN" i="1">
-                        <a:latin typeface="Cambria Math" panose="02040503050406030204" pitchFamily="18" charset="0"/>
-                      </a:rPr>
-                      <m:t>−1</m:t>
-                    </m:r>
-                    <m:r>
-                      <a:rPr lang="en-US" altLang="zh-CN" i="1">
-                        <a:latin typeface="Cambria Math" panose="02040503050406030204" pitchFamily="18" charset="0"/>
-                      </a:rPr>
-                      <m:t>0</m:t>
+                      <m:t>=−10</m:t>
                     </m:r>
                   </m:oMath>
                 </a14:m>
@@ -5474,7 +5744,7 @@
             </p:txBody>
           </p:sp>
         </mc:Choice>
-        <mc:Fallback>
+        <mc:Fallback xmlns="">
           <p:sp>
             <p:nvSpPr>
               <p:cNvPr id="3" name="内容占位符 2"/>
@@ -5521,7 +5791,7 @@
 </p:sld>
 </file>
 
-<file path=ppt/slides/slide11.xml><?xml version="1.0" encoding="utf-8"?>
+<file path=ppt/slides/slide13.xml><?xml version="1.0" encoding="utf-8"?>
 <p:sld xmlns:a="http://schemas.openxmlformats.org/drawingml/2006/main" xmlns:r="http://schemas.openxmlformats.org/officeDocument/2006/relationships" xmlns:p="http://schemas.openxmlformats.org/presentationml/2006/main">
   <p:cSld>
     <p:spTree>
@@ -5650,190 +5920,100 @@
           </a:prstGeom>
         </p:spPr>
       </p:pic>
+      <p:pic>
+        <p:nvPicPr>
+          <p:cNvPr id="3" name="图片 2"/>
+          <p:cNvPicPr>
+            <a:picLocks noChangeAspect="1"/>
+          </p:cNvPicPr>
+          <p:nvPr/>
+        </p:nvPicPr>
+        <p:blipFill>
+          <a:blip r:embed="rId5">
+            <a:extLst>
+              <a:ext uri="{28A0092B-C50C-407E-A947-70E740481C1C}">
+                <a14:useLocalDpi xmlns:a14="http://schemas.microsoft.com/office/drawing/2010/main" val="0"/>
+              </a:ext>
+            </a:extLst>
+          </a:blip>
+          <a:stretch>
+            <a:fillRect/>
+          </a:stretch>
+        </p:blipFill>
+        <p:spPr>
+          <a:xfrm>
+            <a:off x="326755" y="3937686"/>
+            <a:ext cx="3797280" cy="2733510"/>
+          </a:xfrm>
+          <a:prstGeom prst="rect">
+            <a:avLst/>
+          </a:prstGeom>
+        </p:spPr>
+      </p:pic>
+      <p:pic>
+        <p:nvPicPr>
+          <p:cNvPr id="7" name="图片 6"/>
+          <p:cNvPicPr>
+            <a:picLocks noChangeAspect="1"/>
+          </p:cNvPicPr>
+          <p:nvPr/>
+        </p:nvPicPr>
+        <p:blipFill>
+          <a:blip r:embed="rId6">
+            <a:extLst>
+              <a:ext uri="{28A0092B-C50C-407E-A947-70E740481C1C}">
+                <a14:useLocalDpi xmlns:a14="http://schemas.microsoft.com/office/drawing/2010/main" val="0"/>
+              </a:ext>
+            </a:extLst>
+          </a:blip>
+          <a:stretch>
+            <a:fillRect/>
+          </a:stretch>
+        </p:blipFill>
+        <p:spPr>
+          <a:xfrm>
+            <a:off x="4051601" y="3907061"/>
+            <a:ext cx="4088798" cy="2759976"/>
+          </a:xfrm>
+          <a:prstGeom prst="rect">
+            <a:avLst/>
+          </a:prstGeom>
+        </p:spPr>
+      </p:pic>
+      <p:pic>
+        <p:nvPicPr>
+          <p:cNvPr id="8" name="图片 7"/>
+          <p:cNvPicPr>
+            <a:picLocks noChangeAspect="1"/>
+          </p:cNvPicPr>
+          <p:nvPr/>
+        </p:nvPicPr>
+        <p:blipFill>
+          <a:blip r:embed="rId7">
+            <a:extLst>
+              <a:ext uri="{28A0092B-C50C-407E-A947-70E740481C1C}">
+                <a14:useLocalDpi xmlns:a14="http://schemas.microsoft.com/office/drawing/2010/main" val="0"/>
+              </a:ext>
+            </a:extLst>
+          </a:blip>
+          <a:stretch>
+            <a:fillRect/>
+          </a:stretch>
+        </p:blipFill>
+        <p:spPr>
+          <a:xfrm>
+            <a:off x="7948878" y="3907061"/>
+            <a:ext cx="3943928" cy="2759976"/>
+          </a:xfrm>
+          <a:prstGeom prst="rect">
+            <a:avLst/>
+          </a:prstGeom>
+        </p:spPr>
+      </p:pic>
     </p:spTree>
     <p:extLst>
       <p:ext uri="{BB962C8B-B14F-4D97-AF65-F5344CB8AC3E}">
         <p14:creationId xmlns:p14="http://schemas.microsoft.com/office/powerpoint/2010/main" val="1870017479"/>
-      </p:ext>
-    </p:extLst>
-  </p:cSld>
-  <p:clrMapOvr>
-    <a:masterClrMapping/>
-  </p:clrMapOvr>
-</p:sld>
-</file>
-
-<file path=ppt/slides/slide12.xml><?xml version="1.0" encoding="utf-8"?>
-<p:sld xmlns:a="http://schemas.openxmlformats.org/drawingml/2006/main" xmlns:r="http://schemas.openxmlformats.org/officeDocument/2006/relationships" xmlns:p="http://schemas.openxmlformats.org/presentationml/2006/main">
-  <p:cSld>
-    <p:spTree>
-      <p:nvGrpSpPr>
-        <p:cNvPr id="1" name=""/>
-        <p:cNvGrpSpPr/>
-        <p:nvPr/>
-      </p:nvGrpSpPr>
-      <p:grpSpPr>
-        <a:xfrm>
-          <a:off x="0" y="0"/>
-          <a:ext cx="0" cy="0"/>
-          <a:chOff x="0" y="0"/>
-          <a:chExt cx="0" cy="0"/>
-        </a:xfrm>
-      </p:grpSpPr>
-      <p:sp>
-        <p:nvSpPr>
-          <p:cNvPr id="2" name="标题 1"/>
-          <p:cNvSpPr>
-            <a:spLocks noGrp="1"/>
-          </p:cNvSpPr>
-          <p:nvPr>
-            <p:ph type="title"/>
-          </p:nvPr>
-        </p:nvSpPr>
-        <p:spPr/>
-        <p:txBody>
-          <a:bodyPr/>
-          <a:lstStyle/>
-          <a:p>
-            <a:r>
-              <a:rPr lang="en-US" altLang="zh-CN" dirty="0" smtClean="0"/>
-              <a:t>Observation and Conclusion</a:t>
-            </a:r>
-            <a:endParaRPr lang="zh-CN" altLang="en-US" dirty="0"/>
-          </a:p>
-        </p:txBody>
-      </p:sp>
-      <p:sp>
-        <p:nvSpPr>
-          <p:cNvPr id="3" name="内容占位符 2"/>
-          <p:cNvSpPr>
-            <a:spLocks noGrp="1"/>
-          </p:cNvSpPr>
-          <p:nvPr>
-            <p:ph idx="1"/>
-          </p:nvPr>
-        </p:nvSpPr>
-        <p:spPr/>
-        <p:txBody>
-          <a:bodyPr/>
-          <a:lstStyle/>
-          <a:p>
-            <a:r>
-              <a:rPr lang="en-US" altLang="zh-CN" dirty="0" smtClean="0"/>
-              <a:t>Neural network is able to approximate the dynamics of systems</a:t>
-            </a:r>
-          </a:p>
-          <a:p>
-            <a:endParaRPr lang="en-US" altLang="zh-CN" dirty="0"/>
-          </a:p>
-          <a:p>
-            <a:r>
-              <a:rPr lang="en-US" altLang="zh-CN" dirty="0" smtClean="0"/>
-              <a:t>Even a network with really simple structure is able to</a:t>
-            </a:r>
-            <a:r>
-              <a:rPr lang="en-US" altLang="zh-CN" dirty="0" smtClean="0"/>
-              <a:t> model system with complexity</a:t>
-            </a:r>
-          </a:p>
-          <a:p>
-            <a:endParaRPr lang="en-US" altLang="zh-CN" dirty="0"/>
-          </a:p>
-          <a:p>
-            <a:r>
-              <a:rPr lang="en-US" altLang="zh-CN" dirty="0" smtClean="0"/>
-              <a:t>The neural network have some ability to handle </a:t>
-            </a:r>
-            <a:r>
-              <a:rPr lang="en-US" altLang="zh-CN" dirty="0" smtClean="0"/>
-              <a:t>situation that is not presented in the training set</a:t>
-            </a:r>
-            <a:endParaRPr lang="en-US" altLang="zh-CN" dirty="0" smtClean="0"/>
-          </a:p>
-          <a:p>
-            <a:endParaRPr lang="en-US" altLang="zh-CN" dirty="0"/>
-          </a:p>
-          <a:p>
-            <a:endParaRPr lang="en-US" altLang="zh-CN" dirty="0" smtClean="0"/>
-          </a:p>
-        </p:txBody>
-      </p:sp>
-    </p:spTree>
-    <p:extLst>
-      <p:ext uri="{BB962C8B-B14F-4D97-AF65-F5344CB8AC3E}">
-        <p14:creationId xmlns:p14="http://schemas.microsoft.com/office/powerpoint/2010/main" val="1292805132"/>
-      </p:ext>
-    </p:extLst>
-  </p:cSld>
-  <p:clrMapOvr>
-    <a:masterClrMapping/>
-  </p:clrMapOvr>
-</p:sld>
-</file>
-
-<file path=ppt/slides/slide13.xml><?xml version="1.0" encoding="utf-8"?>
-<p:sld xmlns:a="http://schemas.openxmlformats.org/drawingml/2006/main" xmlns:r="http://schemas.openxmlformats.org/officeDocument/2006/relationships" xmlns:p="http://schemas.openxmlformats.org/presentationml/2006/main">
-  <p:cSld>
-    <p:spTree>
-      <p:nvGrpSpPr>
-        <p:cNvPr id="1" name=""/>
-        <p:cNvGrpSpPr/>
-        <p:nvPr/>
-      </p:nvGrpSpPr>
-      <p:grpSpPr>
-        <a:xfrm>
-          <a:off x="0" y="0"/>
-          <a:ext cx="0" cy="0"/>
-          <a:chOff x="0" y="0"/>
-          <a:chExt cx="0" cy="0"/>
-        </a:xfrm>
-      </p:grpSpPr>
-      <p:sp>
-        <p:nvSpPr>
-          <p:cNvPr id="2" name="标题 1"/>
-          <p:cNvSpPr>
-            <a:spLocks noGrp="1"/>
-          </p:cNvSpPr>
-          <p:nvPr>
-            <p:ph type="title"/>
-          </p:nvPr>
-        </p:nvSpPr>
-        <p:spPr/>
-        <p:txBody>
-          <a:bodyPr/>
-          <a:lstStyle/>
-          <a:p>
-            <a:r>
-              <a:rPr lang="en-US" altLang="zh-CN" dirty="0" smtClean="0"/>
-              <a:t>Future Work</a:t>
-            </a:r>
-            <a:endParaRPr lang="zh-CN" altLang="en-US" dirty="0"/>
-          </a:p>
-        </p:txBody>
-      </p:sp>
-      <p:sp>
-        <p:nvSpPr>
-          <p:cNvPr id="3" name="内容占位符 2"/>
-          <p:cNvSpPr>
-            <a:spLocks noGrp="1"/>
-          </p:cNvSpPr>
-          <p:nvPr>
-            <p:ph idx="1"/>
-          </p:nvPr>
-        </p:nvSpPr>
-        <p:spPr/>
-        <p:txBody>
-          <a:bodyPr/>
-          <a:lstStyle/>
-          <a:p>
-            <a:endParaRPr lang="zh-CN" altLang="en-US"/>
-          </a:p>
-        </p:txBody>
-      </p:sp>
-    </p:spTree>
-    <p:extLst>
-      <p:ext uri="{BB962C8B-B14F-4D97-AF65-F5344CB8AC3E}">
-        <p14:creationId xmlns:p14="http://schemas.microsoft.com/office/powerpoint/2010/main" val="2881245660"/>
       </p:ext>
     </p:extLst>
   </p:cSld>
@@ -5877,7 +6057,7 @@
           <a:p>
             <a:r>
               <a:rPr lang="en-US" altLang="zh-CN" dirty="0" smtClean="0"/>
-              <a:t>Reference</a:t>
+              <a:t>Observation and Conclusion</a:t>
             </a:r>
             <a:endParaRPr lang="zh-CN" altLang="en-US" dirty="0"/>
           </a:p>
@@ -5898,7 +6078,383 @@
           <a:bodyPr/>
           <a:lstStyle/>
           <a:p>
-            <a:endParaRPr lang="zh-CN" altLang="en-US"/>
+            <a:r>
+              <a:rPr lang="en-US" altLang="zh-CN" dirty="0" smtClean="0"/>
+              <a:t>Neural network </a:t>
+            </a:r>
+            <a:r>
+              <a:rPr lang="en-US" altLang="zh-CN" dirty="0" smtClean="0"/>
+              <a:t>have the ability to </a:t>
+            </a:r>
+            <a:r>
+              <a:rPr lang="en-US" altLang="zh-CN" dirty="0" smtClean="0"/>
+              <a:t>approximate the dynamics of </a:t>
+            </a:r>
+            <a:r>
+              <a:rPr lang="en-US" altLang="zh-CN" dirty="0" smtClean="0"/>
+              <a:t>systems through running data.</a:t>
+            </a:r>
+            <a:endParaRPr lang="en-US" altLang="zh-CN" dirty="0" smtClean="0"/>
+          </a:p>
+          <a:p>
+            <a:endParaRPr lang="en-US" altLang="zh-CN" dirty="0"/>
+          </a:p>
+          <a:p>
+            <a:r>
+              <a:rPr lang="en-US" altLang="zh-CN" dirty="0" smtClean="0"/>
+              <a:t>Even a network with really simple structure is able to model system with </a:t>
+            </a:r>
+            <a:r>
+              <a:rPr lang="en-US" altLang="zh-CN" dirty="0" smtClean="0"/>
+              <a:t>complexity.</a:t>
+            </a:r>
+            <a:endParaRPr lang="en-US" altLang="zh-CN" dirty="0" smtClean="0"/>
+          </a:p>
+          <a:p>
+            <a:endParaRPr lang="en-US" altLang="zh-CN" dirty="0"/>
+          </a:p>
+          <a:p>
+            <a:r>
+              <a:rPr lang="en-US" altLang="zh-CN" dirty="0" smtClean="0"/>
+              <a:t>The neural network have some ability to handle situation that is not presented in the training </a:t>
+            </a:r>
+            <a:r>
+              <a:rPr lang="en-US" altLang="zh-CN" dirty="0" smtClean="0"/>
+              <a:t>set.</a:t>
+            </a:r>
+            <a:endParaRPr lang="en-US" altLang="zh-CN" dirty="0" smtClean="0"/>
+          </a:p>
+          <a:p>
+            <a:endParaRPr lang="en-US" altLang="zh-CN" dirty="0"/>
+          </a:p>
+          <a:p>
+            <a:endParaRPr lang="en-US" altLang="zh-CN" dirty="0" smtClean="0"/>
+          </a:p>
+        </p:txBody>
+      </p:sp>
+    </p:spTree>
+    <p:extLst>
+      <p:ext uri="{BB962C8B-B14F-4D97-AF65-F5344CB8AC3E}">
+        <p14:creationId xmlns:p14="http://schemas.microsoft.com/office/powerpoint/2010/main" val="1292805132"/>
+      </p:ext>
+    </p:extLst>
+  </p:cSld>
+  <p:clrMapOvr>
+    <a:masterClrMapping/>
+  </p:clrMapOvr>
+</p:sld>
+</file>
+
+<file path=ppt/slides/slide15.xml><?xml version="1.0" encoding="utf-8"?>
+<p:sld xmlns:a="http://schemas.openxmlformats.org/drawingml/2006/main" xmlns:r="http://schemas.openxmlformats.org/officeDocument/2006/relationships" xmlns:p="http://schemas.openxmlformats.org/presentationml/2006/main">
+  <p:cSld>
+    <p:spTree>
+      <p:nvGrpSpPr>
+        <p:cNvPr id="1" name=""/>
+        <p:cNvGrpSpPr/>
+        <p:nvPr/>
+      </p:nvGrpSpPr>
+      <p:grpSpPr>
+        <a:xfrm>
+          <a:off x="0" y="0"/>
+          <a:ext cx="0" cy="0"/>
+          <a:chOff x="0" y="0"/>
+          <a:chExt cx="0" cy="0"/>
+        </a:xfrm>
+      </p:grpSpPr>
+      <p:sp>
+        <p:nvSpPr>
+          <p:cNvPr id="2" name="标题 1"/>
+          <p:cNvSpPr>
+            <a:spLocks noGrp="1"/>
+          </p:cNvSpPr>
+          <p:nvPr>
+            <p:ph type="title"/>
+          </p:nvPr>
+        </p:nvSpPr>
+        <p:spPr/>
+        <p:txBody>
+          <a:bodyPr/>
+          <a:lstStyle/>
+          <a:p>
+            <a:r>
+              <a:rPr lang="en-US" altLang="zh-CN" dirty="0" smtClean="0"/>
+              <a:t>Future Work</a:t>
+            </a:r>
+            <a:endParaRPr lang="zh-CN" altLang="en-US" dirty="0"/>
+          </a:p>
+        </p:txBody>
+      </p:sp>
+      <p:sp>
+        <p:nvSpPr>
+          <p:cNvPr id="3" name="内容占位符 2"/>
+          <p:cNvSpPr>
+            <a:spLocks noGrp="1"/>
+          </p:cNvSpPr>
+          <p:nvPr>
+            <p:ph idx="1"/>
+          </p:nvPr>
+        </p:nvSpPr>
+        <p:spPr/>
+        <p:txBody>
+          <a:bodyPr/>
+          <a:lstStyle/>
+          <a:p>
+            <a:r>
+              <a:rPr lang="en-US" altLang="zh-CN" dirty="0" smtClean="0"/>
+              <a:t>Collecting data from real vehicle running. Candidate vehicles are F1/10</a:t>
+            </a:r>
+            <a:r>
+              <a:rPr lang="en-US" altLang="zh-CN" baseline="30000" dirty="0" smtClean="0"/>
+              <a:t>th</a:t>
+            </a:r>
+            <a:r>
+              <a:rPr lang="en-US" altLang="zh-CN" dirty="0" smtClean="0"/>
+              <a:t> small car or GEM car.</a:t>
+            </a:r>
+          </a:p>
+          <a:p>
+            <a:endParaRPr lang="en-US" altLang="zh-CN" dirty="0"/>
+          </a:p>
+          <a:p>
+            <a:r>
+              <a:rPr lang="en-US" altLang="zh-CN" dirty="0" smtClean="0"/>
+              <a:t>Possible to link the neural network model with verification tools.</a:t>
+            </a:r>
+          </a:p>
+          <a:p>
+            <a:endParaRPr lang="en-US" altLang="zh-CN" dirty="0"/>
+          </a:p>
+          <a:p>
+            <a:r>
+              <a:rPr lang="en-US" altLang="zh-CN" dirty="0" smtClean="0"/>
+              <a:t>Possible to use the learned model in path planner or for controller synthesis.</a:t>
+            </a:r>
+          </a:p>
+          <a:p>
+            <a:endParaRPr lang="en-US" altLang="zh-CN" dirty="0"/>
+          </a:p>
+          <a:p>
+            <a:endParaRPr lang="zh-CN" altLang="en-US" dirty="0"/>
+          </a:p>
+        </p:txBody>
+      </p:sp>
+    </p:spTree>
+    <p:extLst>
+      <p:ext uri="{BB962C8B-B14F-4D97-AF65-F5344CB8AC3E}">
+        <p14:creationId xmlns:p14="http://schemas.microsoft.com/office/powerpoint/2010/main" val="2881245660"/>
+      </p:ext>
+    </p:extLst>
+  </p:cSld>
+  <p:clrMapOvr>
+    <a:masterClrMapping/>
+  </p:clrMapOvr>
+</p:sld>
+</file>
+
+<file path=ppt/slides/slide16.xml><?xml version="1.0" encoding="utf-8"?>
+<p:sld xmlns:a="http://schemas.openxmlformats.org/drawingml/2006/main" xmlns:r="http://schemas.openxmlformats.org/officeDocument/2006/relationships" xmlns:p="http://schemas.openxmlformats.org/presentationml/2006/main">
+  <p:cSld>
+    <p:spTree>
+      <p:nvGrpSpPr>
+        <p:cNvPr id="1" name=""/>
+        <p:cNvGrpSpPr/>
+        <p:nvPr/>
+      </p:nvGrpSpPr>
+      <p:grpSpPr>
+        <a:xfrm>
+          <a:off x="0" y="0"/>
+          <a:ext cx="0" cy="0"/>
+          <a:chOff x="0" y="0"/>
+          <a:chExt cx="0" cy="0"/>
+        </a:xfrm>
+      </p:grpSpPr>
+      <p:sp>
+        <p:nvSpPr>
+          <p:cNvPr id="2" name="标题 1"/>
+          <p:cNvSpPr>
+            <a:spLocks noGrp="1"/>
+          </p:cNvSpPr>
+          <p:nvPr>
+            <p:ph type="title"/>
+          </p:nvPr>
+        </p:nvSpPr>
+        <p:spPr/>
+        <p:txBody>
+          <a:bodyPr/>
+          <a:lstStyle/>
+          <a:p>
+            <a:r>
+              <a:rPr lang="en-US" altLang="zh-CN" dirty="0" smtClean="0"/>
+              <a:t>Reference</a:t>
+            </a:r>
+            <a:endParaRPr lang="zh-CN" altLang="en-US" dirty="0"/>
+          </a:p>
+        </p:txBody>
+      </p:sp>
+      <p:sp>
+        <p:nvSpPr>
+          <p:cNvPr id="3" name="内容占位符 2"/>
+          <p:cNvSpPr>
+            <a:spLocks noGrp="1"/>
+          </p:cNvSpPr>
+          <p:nvPr>
+            <p:ph idx="1"/>
+          </p:nvPr>
+        </p:nvSpPr>
+        <p:spPr/>
+        <p:txBody>
+          <a:bodyPr>
+            <a:normAutofit fontScale="85000" lnSpcReduction="20000"/>
+          </a:bodyPr>
+          <a:lstStyle/>
+          <a:p>
+            <a:pPr algn="just"/>
+            <a:r>
+              <a:rPr lang="en-US" altLang="zh-CN" dirty="0"/>
+              <a:t>[1] </a:t>
+            </a:r>
+            <a:r>
+              <a:rPr lang="en-US" altLang="zh-CN" dirty="0" err="1"/>
+              <a:t>Abbeel</a:t>
+            </a:r>
+            <a:r>
+              <a:rPr lang="en-US" altLang="zh-CN" dirty="0"/>
+              <a:t>, P., Coates, A., &amp; Ng, A. Y. (2010). Autonomous Helicopter Aerobatics through Apprenticeship Learning. The International Journal of Robotics Research, 29(13), 1608–1639. </a:t>
+            </a:r>
+            <a:r>
+              <a:rPr lang="en-US" altLang="zh-CN" dirty="0">
+                <a:hlinkClick r:id="rId2"/>
+              </a:rPr>
+              <a:t>https://</a:t>
+            </a:r>
+            <a:r>
+              <a:rPr lang="en-US" altLang="zh-CN" dirty="0" smtClean="0">
+                <a:hlinkClick r:id="rId2"/>
+              </a:rPr>
+              <a:t>doi.org/10.1177/0278364910371999</a:t>
+            </a:r>
+            <a:endParaRPr lang="en-US" altLang="zh-CN" dirty="0" smtClean="0"/>
+          </a:p>
+          <a:p>
+            <a:pPr algn="just"/>
+            <a:r>
+              <a:rPr lang="en-US" altLang="zh-CN" dirty="0" smtClean="0"/>
+              <a:t>[2] </a:t>
+            </a:r>
+            <a:r>
+              <a:rPr lang="en-US" altLang="zh-CN" dirty="0"/>
+              <a:t>A. </a:t>
+            </a:r>
+            <a:r>
+              <a:rPr lang="en-US" altLang="zh-CN" dirty="0" err="1"/>
+              <a:t>Punjani</a:t>
+            </a:r>
+            <a:r>
+              <a:rPr lang="en-US" altLang="zh-CN" dirty="0"/>
+              <a:t> and P. </a:t>
+            </a:r>
+            <a:r>
+              <a:rPr lang="en-US" altLang="zh-CN" dirty="0" err="1"/>
+              <a:t>Abbeel</a:t>
+            </a:r>
+            <a:r>
+              <a:rPr lang="en-US" altLang="zh-CN" dirty="0"/>
+              <a:t>, "Deep learning helicopter dynamics models," </a:t>
+            </a:r>
+            <a:r>
+              <a:rPr lang="en-US" altLang="zh-CN" i="1" dirty="0"/>
+              <a:t>2015 IEEE International Conference on Robotics and Automation (ICRA)</a:t>
+            </a:r>
+            <a:r>
+              <a:rPr lang="en-US" altLang="zh-CN" dirty="0"/>
+              <a:t>, Seattle, WA, 2015, pp. 3223-3230</a:t>
+            </a:r>
+            <a:r>
+              <a:rPr lang="en-US" altLang="zh-CN" dirty="0" smtClean="0"/>
+              <a:t>.</a:t>
+            </a:r>
+          </a:p>
+          <a:p>
+            <a:pPr algn="just"/>
+            <a:r>
+              <a:rPr lang="en-US" altLang="zh-CN" dirty="0" smtClean="0"/>
+              <a:t>[3] </a:t>
+            </a:r>
+            <a:r>
+              <a:rPr lang="en-US" altLang="zh-CN" dirty="0"/>
+              <a:t>S. Bansal, A. K. </a:t>
+            </a:r>
+            <a:r>
+              <a:rPr lang="en-US" altLang="zh-CN" dirty="0" err="1"/>
+              <a:t>Akametalu</a:t>
+            </a:r>
+            <a:r>
+              <a:rPr lang="en-US" altLang="zh-CN" dirty="0"/>
+              <a:t>, F. J. Jiang, F. Laine and C. J. Tomlin, "Learning quadrotor dynamics using neural network for flight control," </a:t>
+            </a:r>
+            <a:r>
+              <a:rPr lang="en-US" altLang="zh-CN" i="1" dirty="0"/>
+              <a:t>2016 IEEE 55th Conference on Decision and Control (CDC)</a:t>
+            </a:r>
+            <a:r>
+              <a:rPr lang="en-US" altLang="zh-CN" dirty="0"/>
+              <a:t>, Las Vegas, NV, 2016, </a:t>
+            </a:r>
+            <a:r>
+              <a:rPr lang="en-US" altLang="zh-CN" dirty="0" smtClean="0"/>
+              <a:t>pp. 4653-4660.</a:t>
+            </a:r>
+          </a:p>
+          <a:p>
+            <a:pPr algn="just"/>
+            <a:r>
+              <a:rPr lang="en-US" altLang="zh-CN" dirty="0" smtClean="0"/>
+              <a:t>[4] </a:t>
+            </a:r>
+            <a:r>
+              <a:rPr lang="en-US" altLang="zh-CN" dirty="0"/>
+              <a:t>J. Kong, M. Pfeiffer, G. </a:t>
+            </a:r>
+            <a:r>
+              <a:rPr lang="en-US" altLang="zh-CN" dirty="0" err="1"/>
+              <a:t>Schildbach</a:t>
+            </a:r>
+            <a:r>
+              <a:rPr lang="en-US" altLang="zh-CN" dirty="0"/>
+              <a:t> and F. </a:t>
+            </a:r>
+            <a:r>
+              <a:rPr lang="en-US" altLang="zh-CN" dirty="0" err="1"/>
+              <a:t>Borrelli</a:t>
+            </a:r>
+            <a:r>
+              <a:rPr lang="en-US" altLang="zh-CN" dirty="0"/>
+              <a:t>, "Kinematic and dynamic vehicle models for autonomous driving control design," </a:t>
+            </a:r>
+            <a:r>
+              <a:rPr lang="en-US" altLang="zh-CN" i="1" dirty="0"/>
+              <a:t>2015 IEEE Intelligent Vehicles Symposium (IV)</a:t>
+            </a:r>
+            <a:r>
+              <a:rPr lang="en-US" altLang="zh-CN" dirty="0"/>
+              <a:t>, Seoul, 2015, pp. 1094-1099.</a:t>
+            </a:r>
+            <a:r>
+              <a:rPr lang="en-US" altLang="zh-CN" dirty="0"/>
+              <a:t/>
+            </a:r>
+            <a:br>
+              <a:rPr lang="en-US" altLang="zh-CN" dirty="0"/>
+            </a:br>
+            <a:r>
+              <a:rPr lang="en-US" altLang="zh-CN" dirty="0"/>
+              <a:t/>
+            </a:r>
+            <a:br>
+              <a:rPr lang="en-US" altLang="zh-CN" dirty="0"/>
+            </a:br>
+            <a:endParaRPr lang="zh-CN" altLang="en-US" dirty="0"/>
           </a:p>
         </p:txBody>
       </p:sp>
@@ -6098,7 +6654,11 @@
           <a:p>
             <a:r>
               <a:rPr lang="en-US" altLang="zh-CN" dirty="0" smtClean="0"/>
-              <a:t>Related Work</a:t>
+              <a:t>Related </a:t>
+            </a:r>
+            <a:r>
+              <a:rPr lang="en-US" altLang="zh-CN" dirty="0" smtClean="0"/>
+              <a:t>Work</a:t>
             </a:r>
             <a:endParaRPr dirty="0"/>
           </a:p>
@@ -6132,7 +6692,11 @@
             <a:pPr algn="just"/>
             <a:r>
               <a:rPr lang="en-US" dirty="0" smtClean="0"/>
-              <a:t>Use deep artificial neural network that, over a bounded time interval, provides accurate solutions for the chaotic three-body problem at low computational cost. [1]</a:t>
+              <a:t>Control an autonomous helicopter through apprenticeship learning. [1</a:t>
+            </a:r>
+            <a:r>
+              <a:rPr lang="en-US" dirty="0" smtClean="0"/>
+              <a:t>]</a:t>
             </a:r>
           </a:p>
           <a:p>
@@ -6188,7 +6752,7 @@
   <p:cSld>
     <p:spTree>
       <p:nvGrpSpPr>
-        <p:cNvPr id="1" name="Shape 65"/>
+        <p:cNvPr id="1" name=""/>
         <p:cNvGrpSpPr/>
         <p:nvPr/>
       </p:nvGrpSpPr>
@@ -6202,246 +6766,89 @@
       </p:grpSpPr>
       <p:sp>
         <p:nvSpPr>
-          <p:cNvPr id="66" name="Google Shape;66;p15"/>
-          <p:cNvSpPr txBox="1">
+          <p:cNvPr id="2" name="标题 1"/>
+          <p:cNvSpPr>
             <a:spLocks noGrp="1"/>
           </p:cNvSpPr>
           <p:nvPr>
             <p:ph type="title"/>
           </p:nvPr>
         </p:nvSpPr>
-        <p:spPr>
-          <a:xfrm>
-            <a:off x="415600" y="593367"/>
-            <a:ext cx="11360800" cy="763600"/>
-          </a:xfrm>
-          <a:prstGeom prst="rect">
-            <a:avLst/>
-          </a:prstGeom>
-        </p:spPr>
-        <p:txBody>
-          <a:bodyPr spcFirstLastPara="1" vert="horz" wrap="square" lIns="121900" tIns="121900" rIns="121900" bIns="121900" rtlCol="0" anchor="t" anchorCtr="0">
-            <a:noAutofit/>
-          </a:bodyPr>
+        <p:spPr/>
+        <p:txBody>
+          <a:bodyPr/>
           <a:lstStyle/>
           <a:p>
             <a:r>
-              <a:rPr lang="zh-CN"/>
-              <a:t>Problem Description</a:t>
-            </a:r>
-            <a:endParaRPr/>
-          </a:p>
-        </p:txBody>
-      </p:sp>
-      <mc:AlternateContent xmlns:mc="http://schemas.openxmlformats.org/markup-compatibility/2006" xmlns:a14="http://schemas.microsoft.com/office/drawing/2010/main">
-        <mc:Choice Requires="a14">
-          <p:sp>
-            <p:nvSpPr>
-              <p:cNvPr id="67" name="Google Shape;67;p15"/>
-              <p:cNvSpPr txBox="1">
-                <a:spLocks noGrp="1"/>
-              </p:cNvSpPr>
-              <p:nvPr>
-                <p:ph type="body" idx="1"/>
-              </p:nvPr>
-            </p:nvSpPr>
-            <p:spPr>
-              <a:xfrm>
-                <a:off x="415600" y="1536633"/>
-                <a:ext cx="11360800" cy="4555200"/>
-              </a:xfrm>
-              <a:prstGeom prst="rect">
-                <a:avLst/>
-              </a:prstGeom>
-            </p:spPr>
-            <p:txBody>
-              <a:bodyPr spcFirstLastPara="1" vert="horz" wrap="square" lIns="121900" tIns="121900" rIns="121900" bIns="121900" rtlCol="0" anchor="t" anchorCtr="0">
-                <a:noAutofit/>
-              </a:bodyPr>
-              <a:lstStyle/>
-              <a:p>
-                <a:pPr algn="just"/>
-                <a:r>
-                  <a:rPr lang="en-US" altLang="zh-CN" dirty="0" smtClean="0"/>
-                  <a:t>Consider system with state variables x and control input u, the goal of the project is to find a function f parameterized by ɑ such that:</a:t>
-                </a:r>
-                <a:endParaRPr lang="en-US" dirty="0"/>
-              </a:p>
-              <a:p>
-                <a:pPr marL="0" indent="0" algn="just">
-                  <a:spcBef>
-                    <a:spcPts val="2133"/>
-                  </a:spcBef>
-                  <a:buNone/>
-                </a:pPr>
-                <a:endParaRPr lang="en-US" dirty="0"/>
-              </a:p>
-              <a:p>
-                <a:pPr algn="just">
-                  <a:spcBef>
-                    <a:spcPts val="2133"/>
-                  </a:spcBef>
-                </a:pPr>
-                <a:r>
-                  <a:rPr lang="en-US" altLang="zh-CN" dirty="0"/>
-                  <a:t>Since Neural Network has the ability to model highly nonlinear functions from observed data, plan to use Neural Network to approximate function </a:t>
-                </a:r>
-                <a14:m>
-                  <m:oMath xmlns:m="http://schemas.openxmlformats.org/officeDocument/2006/math">
-                    <m:r>
-                      <a:rPr lang="zh-CN" altLang="en-US" i="1" dirty="0" smtClean="0">
-                        <a:latin typeface="Cambria Math" panose="02040503050406030204" pitchFamily="18" charset="0"/>
-                      </a:rPr>
-                      <m:t>𝑓</m:t>
-                    </m:r>
-                    <m:r>
-                      <a:rPr lang="en-US" altLang="zh-CN" i="1" dirty="0" smtClean="0">
-                        <a:latin typeface="Cambria Math" panose="02040503050406030204" pitchFamily="18" charset="0"/>
-                      </a:rPr>
-                      <m:t>(</m:t>
-                    </m:r>
-                    <m:r>
-                      <a:rPr lang="zh-CN" altLang="en-US" i="1" dirty="0" smtClean="0">
-                        <a:latin typeface="Cambria Math" panose="02040503050406030204" pitchFamily="18" charset="0"/>
-                      </a:rPr>
-                      <m:t>𝑥</m:t>
-                    </m:r>
-                    <m:r>
-                      <a:rPr lang="en-US" altLang="zh-CN" i="1" dirty="0" smtClean="0">
-                        <a:latin typeface="Cambria Math" panose="02040503050406030204" pitchFamily="18" charset="0"/>
-                      </a:rPr>
-                      <m:t>,</m:t>
-                    </m:r>
-                    <m:r>
-                      <a:rPr lang="zh-CN" altLang="en-US" i="1" dirty="0">
-                        <a:latin typeface="Cambria Math" panose="02040503050406030204" pitchFamily="18" charset="0"/>
-                      </a:rPr>
-                      <m:t>𝑢</m:t>
-                    </m:r>
-                    <m:r>
-                      <a:rPr lang="en-US" altLang="zh-CN" i="1" dirty="0">
-                        <a:latin typeface="Cambria Math" panose="02040503050406030204" pitchFamily="18" charset="0"/>
-                      </a:rPr>
-                      <m:t>;</m:t>
-                    </m:r>
-                    <m:r>
-                      <a:rPr lang="en-US" altLang="zh-CN" b="0" i="1" dirty="0" smtClean="0">
-                        <a:latin typeface="Cambria Math" panose="02040503050406030204" pitchFamily="18" charset="0"/>
-                      </a:rPr>
-                      <m:t>𝛼</m:t>
-                    </m:r>
-                    <m:r>
-                      <a:rPr lang="en-US" altLang="zh-CN" i="1" dirty="0">
-                        <a:latin typeface="Cambria Math" panose="02040503050406030204" pitchFamily="18" charset="0"/>
-                      </a:rPr>
-                      <m:t>)</m:t>
-                    </m:r>
-                  </m:oMath>
-                </a14:m>
-                <a:r>
-                  <a:rPr lang="en-US" altLang="zh-CN" dirty="0"/>
-                  <a:t>. </a:t>
-                </a:r>
-                <a:endParaRPr lang="en-US" dirty="0"/>
-              </a:p>
-              <a:p>
-                <a:pPr algn="just"/>
-                <a:r>
-                  <a:rPr lang="en-US" altLang="zh-CN" dirty="0"/>
-                  <a:t>The function should minimize the difference between predicted next state and actual next state. </a:t>
-                </a:r>
-                <a:endParaRPr lang="en-US" dirty="0"/>
-              </a:p>
-              <a:p>
-                <a:pPr indent="0">
-                  <a:spcBef>
-                    <a:spcPts val="2133"/>
-                  </a:spcBef>
-                  <a:spcAft>
-                    <a:spcPts val="2133"/>
-                  </a:spcAft>
-                  <a:buNone/>
-                </a:pPr>
-                <a:endParaRPr dirty="0"/>
-              </a:p>
-            </p:txBody>
-          </p:sp>
-        </mc:Choice>
-        <mc:Fallback xmlns="">
-          <p:sp>
-            <p:nvSpPr>
-              <p:cNvPr id="67" name="Google Shape;67;p15"/>
-              <p:cNvSpPr txBox="1">
-                <a:spLocks noGrp="1" noRot="1" noChangeAspect="1" noMove="1" noResize="1" noEditPoints="1" noAdjustHandles="1" noChangeArrowheads="1" noChangeShapeType="1" noTextEdit="1"/>
-              </p:cNvSpPr>
-              <p:nvPr>
-                <p:ph type="body" idx="1"/>
-              </p:nvPr>
-            </p:nvSpPr>
-            <p:spPr>
-              <a:xfrm>
-                <a:off x="415600" y="1536633"/>
-                <a:ext cx="11360800" cy="4555200"/>
-              </a:xfrm>
-              <a:prstGeom prst="rect">
-                <a:avLst/>
-              </a:prstGeom>
-              <a:blipFill rotWithShape="0">
-                <a:blip r:embed="rId3"/>
-                <a:stretch>
-                  <a:fillRect t="-535" r="-805"/>
-                </a:stretch>
-              </a:blipFill>
-            </p:spPr>
-            <p:txBody>
-              <a:bodyPr/>
-              <a:lstStyle/>
-              <a:p>
-                <a:r>
-                  <a:rPr lang="zh-CN" altLang="en-US">
-                    <a:noFill/>
-                  </a:rPr>
-                  <a:t> </a:t>
-                </a:r>
-              </a:p>
-            </p:txBody>
-          </p:sp>
-        </mc:Fallback>
-      </mc:AlternateContent>
-      <p:pic>
-        <p:nvPicPr>
-          <p:cNvPr id="4" name="图片 3"/>
-          <p:cNvPicPr>
-            <a:picLocks noChangeAspect="1"/>
-          </p:cNvPicPr>
-          <p:nvPr/>
-        </p:nvPicPr>
-        <p:blipFill>
-          <a:blip r:embed="rId4">
-            <a:extLst>
-              <a:ext uri="{28A0092B-C50C-407E-A947-70E740481C1C}">
-                <a14:useLocalDpi xmlns:a14="http://schemas.microsoft.com/office/drawing/2010/main" val="0"/>
-              </a:ext>
-            </a:extLst>
-          </a:blip>
-          <a:stretch>
-            <a:fillRect/>
-          </a:stretch>
-        </p:blipFill>
-        <p:spPr>
-          <a:xfrm>
-            <a:off x="4248150" y="2535452"/>
-            <a:ext cx="3695700" cy="666750"/>
-          </a:xfrm>
-          <a:prstGeom prst="rect">
-            <a:avLst/>
-          </a:prstGeom>
-        </p:spPr>
-      </p:pic>
+              <a:rPr lang="en-US" altLang="zh-CN" dirty="0" smtClean="0"/>
+              <a:t>Objective</a:t>
+            </a:r>
+            <a:endParaRPr lang="zh-CN" altLang="en-US" dirty="0"/>
+          </a:p>
+        </p:txBody>
+      </p:sp>
+      <p:sp>
+        <p:nvSpPr>
+          <p:cNvPr id="3" name="文本占位符 2"/>
+          <p:cNvSpPr>
+            <a:spLocks noGrp="1"/>
+          </p:cNvSpPr>
+          <p:nvPr>
+            <p:ph type="body" idx="1"/>
+          </p:nvPr>
+        </p:nvSpPr>
+        <p:spPr/>
+        <p:txBody>
+          <a:bodyPr/>
+          <a:lstStyle/>
+          <a:p>
+            <a:r>
+              <a:rPr lang="en-US" altLang="zh-CN" dirty="0" smtClean="0"/>
+              <a:t>The goal of the project is to use deep learning to approximate the dynamics of vehicles. </a:t>
+            </a:r>
+          </a:p>
+          <a:p>
+            <a:endParaRPr lang="en-US" altLang="zh-CN" dirty="0" smtClean="0"/>
+          </a:p>
+          <a:p>
+            <a:endParaRPr lang="en-US" altLang="zh-CN" dirty="0"/>
+          </a:p>
+          <a:p>
+            <a:r>
+              <a:rPr lang="en-US" altLang="zh-CN" dirty="0" smtClean="0"/>
+              <a:t>Try to “learn” the model that can properly approximate the actual vehicle running from example running.</a:t>
+            </a:r>
+          </a:p>
+          <a:p>
+            <a:endParaRPr lang="en-US" altLang="zh-CN" dirty="0"/>
+          </a:p>
+          <a:p>
+            <a:endParaRPr lang="en-US" altLang="zh-CN" dirty="0" smtClean="0"/>
+          </a:p>
+          <a:p>
+            <a:r>
+              <a:rPr lang="en-US" altLang="zh-CN" dirty="0" smtClean="0"/>
+              <a:t>The neural network model should be simple so that it is possible to </a:t>
+            </a:r>
+            <a:r>
+              <a:rPr lang="en-US" altLang="zh-CN" smtClean="0"/>
+              <a:t>further intemperate </a:t>
+            </a:r>
+            <a:r>
+              <a:rPr lang="en-US" altLang="zh-CN" dirty="0" smtClean="0"/>
+              <a:t>the model. </a:t>
+            </a:r>
+            <a:endParaRPr lang="en-US" altLang="zh-CN" dirty="0"/>
+          </a:p>
+          <a:p>
+            <a:endParaRPr lang="zh-CN" altLang="en-US" dirty="0"/>
+          </a:p>
+        </p:txBody>
+      </p:sp>
     </p:spTree>
     <p:extLst>
       <p:ext uri="{BB962C8B-B14F-4D97-AF65-F5344CB8AC3E}">
-        <p14:creationId xmlns:p14="http://schemas.microsoft.com/office/powerpoint/2010/main" val="570914743"/>
+        <p14:creationId xmlns:p14="http://schemas.microsoft.com/office/powerpoint/2010/main" val="1907604716"/>
       </p:ext>
     </p:extLst>
   </p:cSld>
@@ -6485,268 +6892,7 @@
           <a:p>
             <a:r>
               <a:rPr lang="en-US" altLang="zh-CN" dirty="0" smtClean="0"/>
-              <a:t>Problem Solution</a:t>
-            </a:r>
-            <a:endParaRPr lang="zh-CN" altLang="en-US" dirty="0"/>
-          </a:p>
-        </p:txBody>
-      </p:sp>
-      <mc:AlternateContent xmlns:mc="http://schemas.openxmlformats.org/markup-compatibility/2006" xmlns:a14="http://schemas.microsoft.com/office/drawing/2010/main">
-        <mc:Choice Requires="a14">
-          <p:sp>
-            <p:nvSpPr>
-              <p:cNvPr id="3" name="内容占位符 2"/>
-              <p:cNvSpPr>
-                <a:spLocks noGrp="1"/>
-              </p:cNvSpPr>
-              <p:nvPr>
-                <p:ph idx="1"/>
-              </p:nvPr>
-            </p:nvSpPr>
-            <p:spPr/>
-            <p:txBody>
-              <a:bodyPr>
-                <a:normAutofit lnSpcReduction="10000"/>
-              </a:bodyPr>
-              <a:lstStyle/>
-              <a:p>
-                <a:pPr algn="just"/>
-                <a:r>
-                  <a:rPr lang="en-US" altLang="zh-CN" dirty="0" smtClean="0"/>
-                  <a:t>In reality, the data we collected are often discrete. Therefore, I use difference equation in the following format:</a:t>
-                </a:r>
-              </a:p>
-              <a:p>
-                <a:pPr algn="just"/>
-                <a:endParaRPr lang="en-US" altLang="zh-CN" dirty="0"/>
-              </a:p>
-              <a:p>
-                <a:pPr algn="just"/>
-                <a:endParaRPr lang="en-US" altLang="zh-CN" dirty="0" smtClean="0"/>
-              </a:p>
-              <a:p>
-                <a:pPr algn="just"/>
-                <a:r>
-                  <a:rPr lang="en-US" altLang="zh-CN" dirty="0" smtClean="0"/>
-                  <a:t>The function </a:t>
-                </a:r>
-                <a14:m>
-                  <m:oMath xmlns:m="http://schemas.openxmlformats.org/officeDocument/2006/math">
-                    <m:r>
-                      <a:rPr lang="en-US" altLang="zh-CN" i="1" dirty="0" smtClean="0">
-                        <a:latin typeface="Cambria Math" panose="02040503050406030204" pitchFamily="18" charset="0"/>
-                      </a:rPr>
-                      <m:t>𝑓</m:t>
-                    </m:r>
-                    <m:r>
-                      <a:rPr lang="en-US" altLang="zh-CN" i="1" dirty="0" smtClean="0">
-                        <a:latin typeface="Cambria Math" panose="02040503050406030204" pitchFamily="18" charset="0"/>
-                      </a:rPr>
-                      <m:t>(</m:t>
-                    </m:r>
-                    <m:r>
-                      <a:rPr lang="en-US" altLang="zh-CN" i="1" dirty="0" smtClean="0">
-                        <a:latin typeface="Cambria Math" panose="02040503050406030204" pitchFamily="18" charset="0"/>
-                      </a:rPr>
-                      <m:t>𝑥</m:t>
-                    </m:r>
-                    <m:r>
-                      <a:rPr lang="en-US" altLang="zh-CN" i="1" dirty="0" smtClean="0">
-                        <a:latin typeface="Cambria Math" panose="02040503050406030204" pitchFamily="18" charset="0"/>
-                      </a:rPr>
-                      <m:t>[</m:t>
-                    </m:r>
-                    <m:r>
-                      <a:rPr lang="en-US" altLang="zh-CN" i="1" dirty="0" smtClean="0">
-                        <a:latin typeface="Cambria Math" panose="02040503050406030204" pitchFamily="18" charset="0"/>
-                      </a:rPr>
-                      <m:t>𝑛</m:t>
-                    </m:r>
-                    <m:r>
-                      <a:rPr lang="en-US" altLang="zh-CN" i="1" dirty="0" smtClean="0">
-                        <a:latin typeface="Cambria Math" panose="02040503050406030204" pitchFamily="18" charset="0"/>
-                      </a:rPr>
-                      <m:t>],</m:t>
-                    </m:r>
-                    <m:r>
-                      <a:rPr lang="en-US" altLang="zh-CN" i="1" dirty="0" smtClean="0">
-                        <a:latin typeface="Cambria Math" panose="02040503050406030204" pitchFamily="18" charset="0"/>
-                      </a:rPr>
-                      <m:t>𝑢</m:t>
-                    </m:r>
-                    <m:r>
-                      <a:rPr lang="en-US" altLang="zh-CN" i="1" dirty="0" smtClean="0">
-                        <a:latin typeface="Cambria Math" panose="02040503050406030204" pitchFamily="18" charset="0"/>
-                      </a:rPr>
-                      <m:t>[</m:t>
-                    </m:r>
-                    <m:r>
-                      <a:rPr lang="en-US" altLang="zh-CN" i="1" dirty="0" smtClean="0">
-                        <a:latin typeface="Cambria Math" panose="02040503050406030204" pitchFamily="18" charset="0"/>
-                      </a:rPr>
-                      <m:t>𝑛</m:t>
-                    </m:r>
-                    <m:r>
-                      <a:rPr lang="en-US" altLang="zh-CN" i="1" dirty="0" smtClean="0">
-                        <a:latin typeface="Cambria Math" panose="02040503050406030204" pitchFamily="18" charset="0"/>
-                      </a:rPr>
-                      <m:t>];</m:t>
-                    </m:r>
-                    <m:r>
-                      <a:rPr lang="en-US" altLang="zh-CN" b="0" i="1" dirty="0" smtClean="0">
-                        <a:latin typeface="Cambria Math" panose="02040503050406030204" pitchFamily="18" charset="0"/>
-                      </a:rPr>
-                      <m:t>𝛼</m:t>
-                    </m:r>
-                    <m:r>
-                      <a:rPr lang="zh-CN" altLang="zh-CN" i="1" dirty="0" smtClean="0">
-                        <a:latin typeface="Cambria Math" panose="02040503050406030204" pitchFamily="18" charset="0"/>
-                      </a:rPr>
-                      <m:t>)</m:t>
-                    </m:r>
-                    <m:r>
-                      <a:rPr lang="en-US" altLang="zh-CN" i="1" dirty="0" smtClean="0">
-                        <a:latin typeface="Cambria Math" panose="02040503050406030204" pitchFamily="18" charset="0"/>
-                      </a:rPr>
-                      <m:t> </m:t>
-                    </m:r>
-                  </m:oMath>
-                </a14:m>
-                <a:r>
-                  <a:rPr lang="en-US" altLang="zh-CN" dirty="0" smtClean="0"/>
-                  <a:t>is what estimated by neural network. </a:t>
-                </a:r>
-              </a:p>
-              <a:p>
-                <a:pPr algn="just"/>
-                <a:r>
-                  <a:rPr lang="en-US" altLang="zh-CN" dirty="0" smtClean="0"/>
-                  <a:t>The input of neural network is the current state and input of the system and the neural network can predict the difference between current state and next state. </a:t>
-                </a:r>
-              </a:p>
-              <a:p>
-                <a:pPr algn="just"/>
-                <a:r>
-                  <a:rPr lang="en-US" altLang="zh-CN" dirty="0" smtClean="0"/>
-                  <a:t>Train neural network separately for each state variable to be predicted. </a:t>
-                </a:r>
-                <a:endParaRPr lang="zh-CN" altLang="en-US" dirty="0"/>
-              </a:p>
-            </p:txBody>
-          </p:sp>
-        </mc:Choice>
-        <mc:Fallback xmlns="">
-          <p:sp>
-            <p:nvSpPr>
-              <p:cNvPr id="3" name="内容占位符 2"/>
-              <p:cNvSpPr>
-                <a:spLocks noGrp="1" noRot="1" noChangeAspect="1" noMove="1" noResize="1" noEditPoints="1" noAdjustHandles="1" noChangeArrowheads="1" noChangeShapeType="1" noTextEdit="1"/>
-              </p:cNvSpPr>
-              <p:nvPr>
-                <p:ph idx="1"/>
-              </p:nvPr>
-            </p:nvSpPr>
-            <p:spPr>
-              <a:blipFill rotWithShape="0">
-                <a:blip r:embed="rId2"/>
-                <a:stretch>
-                  <a:fillRect l="-1043" t="-3081" r="-1159"/>
-                </a:stretch>
-              </a:blipFill>
-            </p:spPr>
-            <p:txBody>
-              <a:bodyPr/>
-              <a:lstStyle/>
-              <a:p>
-                <a:r>
-                  <a:rPr lang="zh-CN" altLang="en-US">
-                    <a:noFill/>
-                  </a:rPr>
-                  <a:t> </a:t>
-                </a:r>
-              </a:p>
-            </p:txBody>
-          </p:sp>
-        </mc:Fallback>
-      </mc:AlternateContent>
-      <p:pic>
-        <p:nvPicPr>
-          <p:cNvPr id="5" name="图片 4"/>
-          <p:cNvPicPr>
-            <a:picLocks noChangeAspect="1"/>
-          </p:cNvPicPr>
-          <p:nvPr/>
-        </p:nvPicPr>
-        <p:blipFill>
-          <a:blip r:embed="rId3">
-            <a:extLst>
-              <a:ext uri="{28A0092B-C50C-407E-A947-70E740481C1C}">
-                <a14:useLocalDpi xmlns:a14="http://schemas.microsoft.com/office/drawing/2010/main" val="0"/>
-              </a:ext>
-            </a:extLst>
-          </a:blip>
-          <a:stretch>
-            <a:fillRect/>
-          </a:stretch>
-        </p:blipFill>
-        <p:spPr>
-          <a:xfrm>
-            <a:off x="1200150" y="2777825"/>
-            <a:ext cx="9791700" cy="676275"/>
-          </a:xfrm>
-          <a:prstGeom prst="rect">
-            <a:avLst/>
-          </a:prstGeom>
-        </p:spPr>
-      </p:pic>
-    </p:spTree>
-    <p:extLst>
-      <p:ext uri="{BB962C8B-B14F-4D97-AF65-F5344CB8AC3E}">
-        <p14:creationId xmlns:p14="http://schemas.microsoft.com/office/powerpoint/2010/main" val="37892158"/>
-      </p:ext>
-    </p:extLst>
-  </p:cSld>
-  <p:clrMapOvr>
-    <a:masterClrMapping/>
-  </p:clrMapOvr>
-</p:sld>
-</file>
-
-<file path=ppt/slides/slide6.xml><?xml version="1.0" encoding="utf-8"?>
-<p:sld xmlns:a="http://schemas.openxmlformats.org/drawingml/2006/main" xmlns:r="http://schemas.openxmlformats.org/officeDocument/2006/relationships" xmlns:p="http://schemas.openxmlformats.org/presentationml/2006/main">
-  <p:cSld>
-    <p:spTree>
-      <p:nvGrpSpPr>
-        <p:cNvPr id="1" name=""/>
-        <p:cNvGrpSpPr/>
-        <p:nvPr/>
-      </p:nvGrpSpPr>
-      <p:grpSpPr>
-        <a:xfrm>
-          <a:off x="0" y="0"/>
-          <a:ext cx="0" cy="0"/>
-          <a:chOff x="0" y="0"/>
-          <a:chExt cx="0" cy="0"/>
-        </a:xfrm>
-      </p:grpSpPr>
-      <p:sp>
-        <p:nvSpPr>
-          <p:cNvPr id="2" name="标题 1"/>
-          <p:cNvSpPr>
-            <a:spLocks noGrp="1"/>
-          </p:cNvSpPr>
-          <p:nvPr>
-            <p:ph type="title"/>
-          </p:nvPr>
-        </p:nvSpPr>
-        <p:spPr/>
-        <p:txBody>
-          <a:bodyPr/>
-          <a:lstStyle/>
-          <a:p>
-            <a:r>
-              <a:rPr lang="en-US" altLang="zh-CN" dirty="0" smtClean="0"/>
-              <a:t>Experiment Setup</a:t>
+              <a:t>Vehicle Model</a:t>
             </a:r>
             <a:endParaRPr lang="zh-CN" altLang="en-US" dirty="0"/>
           </a:p>
@@ -6779,11 +6925,7 @@
                 <a:pPr lvl="1" algn="just"/>
                 <a:r>
                   <a:rPr lang="en-US" altLang="zh-CN" dirty="0" smtClean="0"/>
-                  <a:t>To </a:t>
-                </a:r>
-                <a:r>
-                  <a:rPr lang="en-US" altLang="zh-CN" dirty="0" smtClean="0"/>
-                  <a:t>simplify the procedure of collecting data, using data from simulation.</a:t>
+                  <a:t>To simplify the procedure of collecting data, using data from simulation.</a:t>
                 </a:r>
               </a:p>
               <a:p>
@@ -6827,9 +6969,17 @@
               </a:p>
               <a:p>
                 <a:pPr lvl="1" algn="just"/>
+                <a:endParaRPr lang="en-US" altLang="zh-CN" dirty="0" smtClean="0"/>
+              </a:p>
+              <a:p>
+                <a:pPr lvl="1" algn="just"/>
                 <a:r>
                   <a:rPr lang="en-US" altLang="zh-CN" dirty="0" smtClean="0"/>
-                  <a:t>In the experiment, I choose </a:t>
+                  <a:t>In </a:t>
+                </a:r>
+                <a:r>
+                  <a:rPr lang="en-US" altLang="zh-CN" dirty="0" smtClean="0"/>
+                  <a:t>the experiment, I choose </a:t>
                 </a:r>
                 <a14:m>
                   <m:oMath xmlns:m="http://schemas.openxmlformats.org/officeDocument/2006/math">
@@ -7089,6 +7239,274 @@
 </p:sld>
 </file>
 
+<file path=ppt/slides/slide6.xml><?xml version="1.0" encoding="utf-8"?>
+<p:sld xmlns:a="http://schemas.openxmlformats.org/drawingml/2006/main" xmlns:r="http://schemas.openxmlformats.org/officeDocument/2006/relationships" xmlns:p="http://schemas.openxmlformats.org/presentationml/2006/main">
+  <p:cSld>
+    <p:spTree>
+      <p:nvGrpSpPr>
+        <p:cNvPr id="1" name="Shape 65"/>
+        <p:cNvGrpSpPr/>
+        <p:nvPr/>
+      </p:nvGrpSpPr>
+      <p:grpSpPr>
+        <a:xfrm>
+          <a:off x="0" y="0"/>
+          <a:ext cx="0" cy="0"/>
+          <a:chOff x="0" y="0"/>
+          <a:chExt cx="0" cy="0"/>
+        </a:xfrm>
+      </p:grpSpPr>
+      <p:sp>
+        <p:nvSpPr>
+          <p:cNvPr id="66" name="Google Shape;66;p15"/>
+          <p:cNvSpPr txBox="1">
+            <a:spLocks noGrp="1"/>
+          </p:cNvSpPr>
+          <p:nvPr>
+            <p:ph type="title"/>
+          </p:nvPr>
+        </p:nvSpPr>
+        <p:spPr>
+          <a:xfrm>
+            <a:off x="415600" y="593367"/>
+            <a:ext cx="11360800" cy="763600"/>
+          </a:xfrm>
+          <a:prstGeom prst="rect">
+            <a:avLst/>
+          </a:prstGeom>
+        </p:spPr>
+        <p:txBody>
+          <a:bodyPr spcFirstLastPara="1" vert="horz" wrap="square" lIns="121900" tIns="121900" rIns="121900" bIns="121900" rtlCol="0" anchor="t" anchorCtr="0">
+            <a:noAutofit/>
+          </a:bodyPr>
+          <a:lstStyle/>
+          <a:p>
+            <a:r>
+              <a:rPr lang="zh-CN" dirty="0"/>
+              <a:t>Problem Description</a:t>
+            </a:r>
+            <a:endParaRPr dirty="0"/>
+          </a:p>
+        </p:txBody>
+      </p:sp>
+      <mc:AlternateContent xmlns:mc="http://schemas.openxmlformats.org/markup-compatibility/2006" xmlns:a14="http://schemas.microsoft.com/office/drawing/2010/main">
+        <mc:Choice Requires="a14">
+          <p:sp>
+            <p:nvSpPr>
+              <p:cNvPr id="67" name="Google Shape;67;p15"/>
+              <p:cNvSpPr txBox="1">
+                <a:spLocks noGrp="1"/>
+              </p:cNvSpPr>
+              <p:nvPr>
+                <p:ph type="body" idx="1"/>
+              </p:nvPr>
+            </p:nvSpPr>
+            <p:spPr>
+              <a:xfrm>
+                <a:off x="415600" y="1536633"/>
+                <a:ext cx="11360800" cy="4555200"/>
+              </a:xfrm>
+              <a:prstGeom prst="rect">
+                <a:avLst/>
+              </a:prstGeom>
+            </p:spPr>
+            <p:txBody>
+              <a:bodyPr spcFirstLastPara="1" vert="horz" wrap="square" lIns="121900" tIns="121900" rIns="121900" bIns="121900" rtlCol="0" anchor="t" anchorCtr="0">
+                <a:noAutofit/>
+              </a:bodyPr>
+              <a:lstStyle/>
+              <a:p>
+                <a:pPr algn="just"/>
+                <a:r>
+                  <a:rPr lang="en-US" altLang="zh-CN" dirty="0" smtClean="0"/>
+                  <a:t>Consider system with state variables x and control input u, the goal of the project is to find a function f parameterized by ɑ such that:</a:t>
+                </a:r>
+                <a:endParaRPr lang="en-US" dirty="0"/>
+              </a:p>
+              <a:p>
+                <a:pPr marL="0" indent="0" algn="just">
+                  <a:spcBef>
+                    <a:spcPts val="2133"/>
+                  </a:spcBef>
+                  <a:buNone/>
+                </a:pPr>
+                <a:endParaRPr lang="en-US" dirty="0"/>
+              </a:p>
+              <a:p>
+                <a:pPr algn="just">
+                  <a:spcBef>
+                    <a:spcPts val="2133"/>
+                  </a:spcBef>
+                </a:pPr>
+                <a:r>
+                  <a:rPr lang="en-US" altLang="zh-CN" dirty="0"/>
+                  <a:t>Since Neural Network has the ability to model highly nonlinear functions from observed data, plan to use Neural Network to approximate function </a:t>
+                </a:r>
+                <a14:m>
+                  <m:oMath xmlns:m="http://schemas.openxmlformats.org/officeDocument/2006/math">
+                    <m:r>
+                      <a:rPr lang="zh-CN" altLang="en-US" i="1" dirty="0" smtClean="0">
+                        <a:latin typeface="Cambria Math" panose="02040503050406030204" pitchFamily="18" charset="0"/>
+                      </a:rPr>
+                      <m:t>𝑓</m:t>
+                    </m:r>
+                    <m:r>
+                      <a:rPr lang="en-US" altLang="zh-CN" i="1" dirty="0" smtClean="0">
+                        <a:latin typeface="Cambria Math" panose="02040503050406030204" pitchFamily="18" charset="0"/>
+                      </a:rPr>
+                      <m:t>(</m:t>
+                    </m:r>
+                    <m:r>
+                      <a:rPr lang="zh-CN" altLang="en-US" i="1" dirty="0" smtClean="0">
+                        <a:latin typeface="Cambria Math" panose="02040503050406030204" pitchFamily="18" charset="0"/>
+                      </a:rPr>
+                      <m:t>𝑥</m:t>
+                    </m:r>
+                    <m:r>
+                      <a:rPr lang="en-US" altLang="zh-CN" i="1" dirty="0" smtClean="0">
+                        <a:latin typeface="Cambria Math" panose="02040503050406030204" pitchFamily="18" charset="0"/>
+                      </a:rPr>
+                      <m:t>,</m:t>
+                    </m:r>
+                    <m:r>
+                      <a:rPr lang="zh-CN" altLang="en-US" i="1" dirty="0">
+                        <a:latin typeface="Cambria Math" panose="02040503050406030204" pitchFamily="18" charset="0"/>
+                      </a:rPr>
+                      <m:t>𝑢</m:t>
+                    </m:r>
+                    <m:r>
+                      <a:rPr lang="en-US" altLang="zh-CN" i="1" dirty="0">
+                        <a:latin typeface="Cambria Math" panose="02040503050406030204" pitchFamily="18" charset="0"/>
+                      </a:rPr>
+                      <m:t>;</m:t>
+                    </m:r>
+                    <m:r>
+                      <a:rPr lang="en-US" altLang="zh-CN" b="0" i="1" dirty="0" smtClean="0">
+                        <a:latin typeface="Cambria Math" panose="02040503050406030204" pitchFamily="18" charset="0"/>
+                      </a:rPr>
+                      <m:t>𝛼</m:t>
+                    </m:r>
+                    <m:r>
+                      <a:rPr lang="en-US" altLang="zh-CN" i="1" dirty="0">
+                        <a:latin typeface="Cambria Math" panose="02040503050406030204" pitchFamily="18" charset="0"/>
+                      </a:rPr>
+                      <m:t>)</m:t>
+                    </m:r>
+                  </m:oMath>
+                </a14:m>
+                <a:r>
+                  <a:rPr lang="en-US" altLang="zh-CN" dirty="0"/>
+                  <a:t>. </a:t>
+                </a:r>
+                <a:endParaRPr lang="en-US" dirty="0"/>
+              </a:p>
+              <a:p>
+                <a:pPr algn="just"/>
+                <a:r>
+                  <a:rPr lang="en-US" altLang="zh-CN" dirty="0"/>
+                  <a:t>The function should minimize the difference between predicted next state and actual next state. </a:t>
+                </a:r>
+                <a:endParaRPr lang="en-US" dirty="0"/>
+              </a:p>
+              <a:p>
+                <a:pPr indent="0">
+                  <a:spcBef>
+                    <a:spcPts val="2133"/>
+                  </a:spcBef>
+                  <a:spcAft>
+                    <a:spcPts val="2133"/>
+                  </a:spcAft>
+                  <a:buNone/>
+                </a:pPr>
+                <a:endParaRPr dirty="0"/>
+              </a:p>
+            </p:txBody>
+          </p:sp>
+        </mc:Choice>
+        <mc:Fallback xmlns="">
+          <p:sp>
+            <p:nvSpPr>
+              <p:cNvPr id="67" name="Google Shape;67;p15"/>
+              <p:cNvSpPr txBox="1">
+                <a:spLocks noGrp="1" noRot="1" noChangeAspect="1" noMove="1" noResize="1" noEditPoints="1" noAdjustHandles="1" noChangeArrowheads="1" noChangeShapeType="1" noTextEdit="1"/>
+              </p:cNvSpPr>
+              <p:nvPr>
+                <p:ph type="body" idx="1"/>
+              </p:nvPr>
+            </p:nvSpPr>
+            <p:spPr>
+              <a:xfrm>
+                <a:off x="415600" y="1536633"/>
+                <a:ext cx="11360800" cy="4555200"/>
+              </a:xfrm>
+              <a:prstGeom prst="rect">
+                <a:avLst/>
+              </a:prstGeom>
+              <a:blipFill rotWithShape="0">
+                <a:blip r:embed="rId3"/>
+                <a:stretch>
+                  <a:fillRect t="-535" r="-805"/>
+                </a:stretch>
+              </a:blipFill>
+            </p:spPr>
+            <p:txBody>
+              <a:bodyPr/>
+              <a:lstStyle/>
+              <a:p>
+                <a:r>
+                  <a:rPr lang="zh-CN" altLang="en-US">
+                    <a:noFill/>
+                  </a:rPr>
+                  <a:t> </a:t>
+                </a:r>
+              </a:p>
+            </p:txBody>
+          </p:sp>
+        </mc:Fallback>
+      </mc:AlternateContent>
+      <p:pic>
+        <p:nvPicPr>
+          <p:cNvPr id="4" name="图片 3"/>
+          <p:cNvPicPr>
+            <a:picLocks noChangeAspect="1"/>
+          </p:cNvPicPr>
+          <p:nvPr/>
+        </p:nvPicPr>
+        <p:blipFill>
+          <a:blip r:embed="rId4">
+            <a:extLst>
+              <a:ext uri="{28A0092B-C50C-407E-A947-70E740481C1C}">
+                <a14:useLocalDpi xmlns:a14="http://schemas.microsoft.com/office/drawing/2010/main" val="0"/>
+              </a:ext>
+            </a:extLst>
+          </a:blip>
+          <a:stretch>
+            <a:fillRect/>
+          </a:stretch>
+        </p:blipFill>
+        <p:spPr>
+          <a:xfrm>
+            <a:off x="4248150" y="2535452"/>
+            <a:ext cx="3695700" cy="666750"/>
+          </a:xfrm>
+          <a:prstGeom prst="rect">
+            <a:avLst/>
+          </a:prstGeom>
+        </p:spPr>
+      </p:pic>
+    </p:spTree>
+    <p:extLst>
+      <p:ext uri="{BB962C8B-B14F-4D97-AF65-F5344CB8AC3E}">
+        <p14:creationId xmlns:p14="http://schemas.microsoft.com/office/powerpoint/2010/main" val="570914743"/>
+      </p:ext>
+    </p:extLst>
+  </p:cSld>
+  <p:clrMapOvr>
+    <a:masterClrMapping/>
+  </p:clrMapOvr>
+</p:sld>
+</file>
+
 <file path=ppt/slides/slide7.xml><?xml version="1.0" encoding="utf-8"?>
 <p:sld xmlns:a="http://schemas.openxmlformats.org/drawingml/2006/main" xmlns:r="http://schemas.openxmlformats.org/officeDocument/2006/relationships" xmlns:p="http://schemas.openxmlformats.org/presentationml/2006/main">
   <p:cSld>
@@ -7122,8 +7540,269 @@
           <a:lstStyle/>
           <a:p>
             <a:r>
+              <a:rPr lang="zh-CN" altLang="zh-CN" dirty="0"/>
+              <a:t>Problem Description</a:t>
+            </a:r>
+            <a:endParaRPr lang="zh-CN" altLang="en-US" dirty="0"/>
+          </a:p>
+        </p:txBody>
+      </p:sp>
+      <mc:AlternateContent xmlns:mc="http://schemas.openxmlformats.org/markup-compatibility/2006" xmlns:a14="http://schemas.microsoft.com/office/drawing/2010/main">
+        <mc:Choice Requires="a14">
+          <p:sp>
+            <p:nvSpPr>
+              <p:cNvPr id="3" name="内容占位符 2"/>
+              <p:cNvSpPr>
+                <a:spLocks noGrp="1"/>
+              </p:cNvSpPr>
+              <p:nvPr>
+                <p:ph idx="1"/>
+              </p:nvPr>
+            </p:nvSpPr>
+            <p:spPr/>
+            <p:txBody>
+              <a:bodyPr>
+                <a:normAutofit lnSpcReduction="10000"/>
+              </a:bodyPr>
+              <a:lstStyle/>
+              <a:p>
+                <a:pPr algn="just"/>
+                <a:r>
+                  <a:rPr lang="en-US" altLang="zh-CN" dirty="0" smtClean="0"/>
+                  <a:t>In reality, the data we collected are often discrete. Therefore, I use difference equation in the following format:</a:t>
+                </a:r>
+              </a:p>
+              <a:p>
+                <a:pPr algn="just"/>
+                <a:endParaRPr lang="en-US" altLang="zh-CN" dirty="0"/>
+              </a:p>
+              <a:p>
+                <a:pPr algn="just"/>
+                <a:endParaRPr lang="en-US" altLang="zh-CN" dirty="0" smtClean="0"/>
+              </a:p>
+              <a:p>
+                <a:pPr algn="just"/>
+                <a:r>
+                  <a:rPr lang="en-US" altLang="zh-CN" dirty="0" smtClean="0"/>
+                  <a:t>The function </a:t>
+                </a:r>
+                <a14:m>
+                  <m:oMath xmlns:m="http://schemas.openxmlformats.org/officeDocument/2006/math">
+                    <m:r>
+                      <a:rPr lang="en-US" altLang="zh-CN" i="1" dirty="0" smtClean="0">
+                        <a:latin typeface="Cambria Math" panose="02040503050406030204" pitchFamily="18" charset="0"/>
+                      </a:rPr>
+                      <m:t>𝑓</m:t>
+                    </m:r>
+                    <m:r>
+                      <a:rPr lang="en-US" altLang="zh-CN" i="1" dirty="0" smtClean="0">
+                        <a:latin typeface="Cambria Math" panose="02040503050406030204" pitchFamily="18" charset="0"/>
+                      </a:rPr>
+                      <m:t>(</m:t>
+                    </m:r>
+                    <m:r>
+                      <a:rPr lang="en-US" altLang="zh-CN" i="1" dirty="0" smtClean="0">
+                        <a:latin typeface="Cambria Math" panose="02040503050406030204" pitchFamily="18" charset="0"/>
+                      </a:rPr>
+                      <m:t>𝑥</m:t>
+                    </m:r>
+                    <m:r>
+                      <a:rPr lang="en-US" altLang="zh-CN" i="1" dirty="0" smtClean="0">
+                        <a:latin typeface="Cambria Math" panose="02040503050406030204" pitchFamily="18" charset="0"/>
+                      </a:rPr>
+                      <m:t>[</m:t>
+                    </m:r>
+                    <m:r>
+                      <a:rPr lang="en-US" altLang="zh-CN" i="1" dirty="0" smtClean="0">
+                        <a:latin typeface="Cambria Math" panose="02040503050406030204" pitchFamily="18" charset="0"/>
+                      </a:rPr>
+                      <m:t>𝑛</m:t>
+                    </m:r>
+                    <m:r>
+                      <a:rPr lang="en-US" altLang="zh-CN" i="1" dirty="0" smtClean="0">
+                        <a:latin typeface="Cambria Math" panose="02040503050406030204" pitchFamily="18" charset="0"/>
+                      </a:rPr>
+                      <m:t>],</m:t>
+                    </m:r>
+                    <m:r>
+                      <a:rPr lang="en-US" altLang="zh-CN" i="1" dirty="0" smtClean="0">
+                        <a:latin typeface="Cambria Math" panose="02040503050406030204" pitchFamily="18" charset="0"/>
+                      </a:rPr>
+                      <m:t>𝑢</m:t>
+                    </m:r>
+                    <m:r>
+                      <a:rPr lang="en-US" altLang="zh-CN" i="1" dirty="0" smtClean="0">
+                        <a:latin typeface="Cambria Math" panose="02040503050406030204" pitchFamily="18" charset="0"/>
+                      </a:rPr>
+                      <m:t>[</m:t>
+                    </m:r>
+                    <m:r>
+                      <a:rPr lang="en-US" altLang="zh-CN" i="1" dirty="0" smtClean="0">
+                        <a:latin typeface="Cambria Math" panose="02040503050406030204" pitchFamily="18" charset="0"/>
+                      </a:rPr>
+                      <m:t>𝑛</m:t>
+                    </m:r>
+                    <m:r>
+                      <a:rPr lang="en-US" altLang="zh-CN" i="1" dirty="0" smtClean="0">
+                        <a:latin typeface="Cambria Math" panose="02040503050406030204" pitchFamily="18" charset="0"/>
+                      </a:rPr>
+                      <m:t>];</m:t>
+                    </m:r>
+                    <m:r>
+                      <a:rPr lang="en-US" altLang="zh-CN" b="0" i="1" dirty="0" smtClean="0">
+                        <a:latin typeface="Cambria Math" panose="02040503050406030204" pitchFamily="18" charset="0"/>
+                      </a:rPr>
+                      <m:t>𝛼</m:t>
+                    </m:r>
+                    <m:r>
+                      <a:rPr lang="zh-CN" altLang="zh-CN" i="1" dirty="0" smtClean="0">
+                        <a:latin typeface="Cambria Math" panose="02040503050406030204" pitchFamily="18" charset="0"/>
+                      </a:rPr>
+                      <m:t>)</m:t>
+                    </m:r>
+                    <m:r>
+                      <a:rPr lang="en-US" altLang="zh-CN" i="1" dirty="0" smtClean="0">
+                        <a:latin typeface="Cambria Math" panose="02040503050406030204" pitchFamily="18" charset="0"/>
+                      </a:rPr>
+                      <m:t> </m:t>
+                    </m:r>
+                  </m:oMath>
+                </a14:m>
+                <a:r>
+                  <a:rPr lang="en-US" altLang="zh-CN" dirty="0" smtClean="0"/>
+                  <a:t>is what estimated by neural network. </a:t>
+                </a:r>
+              </a:p>
+              <a:p>
+                <a:pPr algn="just"/>
+                <a:r>
+                  <a:rPr lang="en-US" altLang="zh-CN" dirty="0" smtClean="0"/>
+                  <a:t>The input of neural network is the current state and input of the system and the neural network can predict the difference between current state and next state. </a:t>
+                </a:r>
+              </a:p>
+              <a:p>
+                <a:pPr algn="just"/>
+                <a:r>
+                  <a:rPr lang="en-US" altLang="zh-CN" dirty="0" smtClean="0"/>
+                  <a:t>Train neural network separately for each state variable to be predicted. </a:t>
+                </a:r>
+                <a:endParaRPr lang="zh-CN" altLang="en-US" dirty="0"/>
+              </a:p>
+            </p:txBody>
+          </p:sp>
+        </mc:Choice>
+        <mc:Fallback xmlns="">
+          <p:sp>
+            <p:nvSpPr>
+              <p:cNvPr id="3" name="内容占位符 2"/>
+              <p:cNvSpPr>
+                <a:spLocks noGrp="1" noRot="1" noChangeAspect="1" noMove="1" noResize="1" noEditPoints="1" noAdjustHandles="1" noChangeArrowheads="1" noChangeShapeType="1" noTextEdit="1"/>
+              </p:cNvSpPr>
+              <p:nvPr>
+                <p:ph idx="1"/>
+              </p:nvPr>
+            </p:nvSpPr>
+            <p:spPr>
+              <a:blipFill rotWithShape="0">
+                <a:blip r:embed="rId2"/>
+                <a:stretch>
+                  <a:fillRect l="-1043" t="-3081" r="-1159"/>
+                </a:stretch>
+              </a:blipFill>
+            </p:spPr>
+            <p:txBody>
+              <a:bodyPr/>
+              <a:lstStyle/>
+              <a:p>
+                <a:r>
+                  <a:rPr lang="zh-CN" altLang="en-US">
+                    <a:noFill/>
+                  </a:rPr>
+                  <a:t> </a:t>
+                </a:r>
+              </a:p>
+            </p:txBody>
+          </p:sp>
+        </mc:Fallback>
+      </mc:AlternateContent>
+      <p:pic>
+        <p:nvPicPr>
+          <p:cNvPr id="5" name="图片 4"/>
+          <p:cNvPicPr>
+            <a:picLocks noChangeAspect="1"/>
+          </p:cNvPicPr>
+          <p:nvPr/>
+        </p:nvPicPr>
+        <p:blipFill>
+          <a:blip r:embed="rId3">
+            <a:extLst>
+              <a:ext uri="{28A0092B-C50C-407E-A947-70E740481C1C}">
+                <a14:useLocalDpi xmlns:a14="http://schemas.microsoft.com/office/drawing/2010/main" val="0"/>
+              </a:ext>
+            </a:extLst>
+          </a:blip>
+          <a:stretch>
+            <a:fillRect/>
+          </a:stretch>
+        </p:blipFill>
+        <p:spPr>
+          <a:xfrm>
+            <a:off x="1200150" y="2777825"/>
+            <a:ext cx="9791700" cy="676275"/>
+          </a:xfrm>
+          <a:prstGeom prst="rect">
+            <a:avLst/>
+          </a:prstGeom>
+        </p:spPr>
+      </p:pic>
+    </p:spTree>
+    <p:extLst>
+      <p:ext uri="{BB962C8B-B14F-4D97-AF65-F5344CB8AC3E}">
+        <p14:creationId xmlns:p14="http://schemas.microsoft.com/office/powerpoint/2010/main" val="37892158"/>
+      </p:ext>
+    </p:extLst>
+  </p:cSld>
+  <p:clrMapOvr>
+    <a:masterClrMapping/>
+  </p:clrMapOvr>
+</p:sld>
+</file>
+
+<file path=ppt/slides/slide8.xml><?xml version="1.0" encoding="utf-8"?>
+<p:sld xmlns:a="http://schemas.openxmlformats.org/drawingml/2006/main" xmlns:r="http://schemas.openxmlformats.org/officeDocument/2006/relationships" xmlns:p="http://schemas.openxmlformats.org/presentationml/2006/main">
+  <p:cSld>
+    <p:spTree>
+      <p:nvGrpSpPr>
+        <p:cNvPr id="1" name=""/>
+        <p:cNvGrpSpPr/>
+        <p:nvPr/>
+      </p:nvGrpSpPr>
+      <p:grpSpPr>
+        <a:xfrm>
+          <a:off x="0" y="0"/>
+          <a:ext cx="0" cy="0"/>
+          <a:chOff x="0" y="0"/>
+          <a:chExt cx="0" cy="0"/>
+        </a:xfrm>
+      </p:grpSpPr>
+      <p:sp>
+        <p:nvSpPr>
+          <p:cNvPr id="2" name="标题 1"/>
+          <p:cNvSpPr>
+            <a:spLocks noGrp="1"/>
+          </p:cNvSpPr>
+          <p:nvPr>
+            <p:ph type="title"/>
+          </p:nvPr>
+        </p:nvSpPr>
+        <p:spPr/>
+        <p:txBody>
+          <a:bodyPr/>
+          <a:lstStyle/>
+          <a:p>
+            <a:r>
               <a:rPr lang="en-US" altLang="zh-CN" dirty="0" smtClean="0"/>
-              <a:t>Experiment  Setup</a:t>
+              <a:t>Neural Network Structure</a:t>
             </a:r>
             <a:endParaRPr lang="zh-CN" altLang="en-US" dirty="0"/>
           </a:p>
@@ -7392,100 +8071,6 @@
 </p:sld>
 </file>
 
-<file path=ppt/slides/slide8.xml><?xml version="1.0" encoding="utf-8"?>
-<p:sld xmlns:a="http://schemas.openxmlformats.org/drawingml/2006/main" xmlns:r="http://schemas.openxmlformats.org/officeDocument/2006/relationships" xmlns:p="http://schemas.openxmlformats.org/presentationml/2006/main">
-  <p:cSld>
-    <p:spTree>
-      <p:nvGrpSpPr>
-        <p:cNvPr id="1" name=""/>
-        <p:cNvGrpSpPr/>
-        <p:nvPr/>
-      </p:nvGrpSpPr>
-      <p:grpSpPr>
-        <a:xfrm>
-          <a:off x="0" y="0"/>
-          <a:ext cx="0" cy="0"/>
-          <a:chOff x="0" y="0"/>
-          <a:chExt cx="0" cy="0"/>
-        </a:xfrm>
-      </p:grpSpPr>
-      <p:sp>
-        <p:nvSpPr>
-          <p:cNvPr id="2" name="标题 1"/>
-          <p:cNvSpPr>
-            <a:spLocks noGrp="1"/>
-          </p:cNvSpPr>
-          <p:nvPr>
-            <p:ph type="title"/>
-          </p:nvPr>
-        </p:nvSpPr>
-        <p:spPr/>
-        <p:txBody>
-          <a:bodyPr/>
-          <a:lstStyle/>
-          <a:p>
-            <a:r>
-              <a:rPr lang="en-US" altLang="zh-CN" dirty="0" smtClean="0"/>
-              <a:t>Experiment Setup</a:t>
-            </a:r>
-            <a:endParaRPr lang="zh-CN" altLang="en-US" dirty="0"/>
-          </a:p>
-        </p:txBody>
-      </p:sp>
-      <p:sp>
-        <p:nvSpPr>
-          <p:cNvPr id="3" name="内容占位符 2"/>
-          <p:cNvSpPr>
-            <a:spLocks noGrp="1"/>
-          </p:cNvSpPr>
-          <p:nvPr>
-            <p:ph idx="1"/>
-          </p:nvPr>
-        </p:nvSpPr>
-        <p:spPr/>
-        <p:txBody>
-          <a:bodyPr/>
-          <a:lstStyle/>
-          <a:p>
-            <a:r>
-              <a:rPr lang="en-US" altLang="zh-CN" dirty="0" smtClean="0"/>
-              <a:t>The training data are obtained by running the model with fixed turning angle at 30, 20, 10, 0, -10, -20, -30 degree for 120 seconds with the time step of 0.01s. Some example training trajectories is shown below:</a:t>
-            </a:r>
-          </a:p>
-          <a:p>
-            <a:pPr marL="0" indent="0" algn="ctr">
-              <a:buNone/>
-            </a:pPr>
-            <a:r>
-              <a:rPr lang="en-US" altLang="zh-CN" dirty="0" smtClean="0">
-                <a:solidFill>
-                  <a:srgbClr val="FF0000"/>
-                </a:solidFill>
-              </a:rPr>
-              <a:t>Pictures</a:t>
-            </a:r>
-          </a:p>
-          <a:p>
-            <a:r>
-              <a:rPr lang="en-US" altLang="zh-CN" dirty="0" smtClean="0"/>
-              <a:t>The training labels are obtained by calculating the difference between current state variable and next state variable divided by time step. </a:t>
-            </a:r>
-          </a:p>
-        </p:txBody>
-      </p:sp>
-    </p:spTree>
-    <p:extLst>
-      <p:ext uri="{BB962C8B-B14F-4D97-AF65-F5344CB8AC3E}">
-        <p14:creationId xmlns:p14="http://schemas.microsoft.com/office/powerpoint/2010/main" val="32173920"/>
-      </p:ext>
-    </p:extLst>
-  </p:cSld>
-  <p:clrMapOvr>
-    <a:masterClrMapping/>
-  </p:clrMapOvr>
-</p:sld>
-</file>
-
 <file path=ppt/slides/slide9.xml><?xml version="1.0" encoding="utf-8"?>
 <p:sld xmlns:a="http://schemas.openxmlformats.org/drawingml/2006/main" xmlns:r="http://schemas.openxmlformats.org/officeDocument/2006/relationships" xmlns:p="http://schemas.openxmlformats.org/presentationml/2006/main">
   <p:cSld>
@@ -7520,65 +8105,220 @@
           <a:p>
             <a:r>
               <a:rPr lang="en-US" altLang="zh-CN" dirty="0" smtClean="0"/>
-              <a:t>Experiment Result</a:t>
+              <a:t>Training Data and Label</a:t>
             </a:r>
             <a:endParaRPr lang="zh-CN" altLang="en-US" dirty="0"/>
           </a:p>
         </p:txBody>
       </p:sp>
-      <p:sp>
-        <p:nvSpPr>
-          <p:cNvPr id="3" name="内容占位符 2"/>
-          <p:cNvSpPr>
-            <a:spLocks noGrp="1"/>
-          </p:cNvSpPr>
-          <p:nvPr>
-            <p:ph idx="1"/>
-          </p:nvPr>
-        </p:nvSpPr>
-        <p:spPr/>
-        <p:txBody>
-          <a:bodyPr/>
-          <a:lstStyle/>
-          <a:p>
-            <a:pPr algn="just"/>
-            <a:r>
-              <a:rPr lang="en-US" altLang="zh-CN" dirty="0" smtClean="0"/>
-              <a:t>To test the performance of the model I obtained. I run the model I obtained with random initial state and time varying turning angle between -30 to 30 degree. </a:t>
-            </a:r>
-          </a:p>
-          <a:p>
-            <a:pPr algn="just"/>
-            <a:endParaRPr lang="en-US" altLang="zh-CN" dirty="0" smtClean="0"/>
-          </a:p>
-          <a:p>
-            <a:pPr algn="just"/>
-            <a:r>
-              <a:rPr lang="en-US" altLang="zh-CN" dirty="0" smtClean="0"/>
-              <a:t>Simulation is performed with same initial state and same input sequence and the simulation results are compared with results from the calculated trajectory from my model.</a:t>
-            </a:r>
-          </a:p>
-          <a:p>
-            <a:pPr algn="just"/>
-            <a:endParaRPr lang="en-US" altLang="zh-CN" dirty="0"/>
-          </a:p>
-          <a:p>
-            <a:pPr algn="just"/>
-            <a:r>
-              <a:rPr lang="en-US" altLang="zh-CN" dirty="0" smtClean="0"/>
-              <a:t>Some experiment results are shown in the following slides.</a:t>
-            </a:r>
-          </a:p>
-          <a:p>
-            <a:pPr algn="just"/>
-            <a:endParaRPr lang="zh-CN" altLang="en-US" dirty="0"/>
-          </a:p>
-        </p:txBody>
-      </p:sp>
+      <mc:AlternateContent xmlns:mc="http://schemas.openxmlformats.org/markup-compatibility/2006">
+        <mc:Choice xmlns:a14="http://schemas.microsoft.com/office/drawing/2010/main" Requires="a14">
+          <p:sp>
+            <p:nvSpPr>
+              <p:cNvPr id="3" name="内容占位符 2"/>
+              <p:cNvSpPr>
+                <a:spLocks noGrp="1"/>
+              </p:cNvSpPr>
+              <p:nvPr>
+                <p:ph idx="1"/>
+              </p:nvPr>
+            </p:nvSpPr>
+            <p:spPr/>
+            <p:txBody>
+              <a:bodyPr/>
+              <a:lstStyle/>
+              <a:p>
+                <a:r>
+                  <a:rPr lang="en-US" altLang="zh-CN" dirty="0" smtClean="0"/>
+                  <a:t>The training data are obtained by running the model with fixed turning angle at 30, 20, 10, 0, -10, -20, -30 degree for 120 seconds with the time step of 0.01s. The initial state for the training trajectories are </a:t>
+                </a:r>
+                <a14:m>
+                  <m:oMath xmlns:m="http://schemas.openxmlformats.org/officeDocument/2006/math">
+                    <m:sSub>
+                      <m:sSubPr>
+                        <m:ctrlPr>
+                          <a:rPr lang="en-US" altLang="zh-CN" b="0" i="1" smtClean="0">
+                            <a:latin typeface="Cambria Math" panose="02040503050406030204" pitchFamily="18" charset="0"/>
+                          </a:rPr>
+                        </m:ctrlPr>
+                      </m:sSubPr>
+                      <m:e>
+                        <m:r>
+                          <a:rPr lang="en-US" altLang="zh-CN" b="0" i="1" smtClean="0">
+                            <a:latin typeface="Cambria Math" panose="02040503050406030204" pitchFamily="18" charset="0"/>
+                          </a:rPr>
+                          <m:t>𝑥</m:t>
+                        </m:r>
+                      </m:e>
+                      <m:sub>
+                        <m:r>
+                          <a:rPr lang="en-US" altLang="zh-CN" b="0" i="1" smtClean="0">
+                            <a:latin typeface="Cambria Math" panose="02040503050406030204" pitchFamily="18" charset="0"/>
+                          </a:rPr>
+                          <m:t>0</m:t>
+                        </m:r>
+                      </m:sub>
+                    </m:sSub>
+                    <m:r>
+                      <a:rPr lang="en-US" altLang="zh-CN" b="0" i="1" smtClean="0">
+                        <a:latin typeface="Cambria Math" panose="02040503050406030204" pitchFamily="18" charset="0"/>
+                      </a:rPr>
+                      <m:t>=0, </m:t>
+                    </m:r>
+                    <m:sSub>
+                      <m:sSubPr>
+                        <m:ctrlPr>
+                          <a:rPr lang="en-US" altLang="zh-CN" b="0" i="1" smtClean="0">
+                            <a:latin typeface="Cambria Math" panose="02040503050406030204" pitchFamily="18" charset="0"/>
+                          </a:rPr>
+                        </m:ctrlPr>
+                      </m:sSubPr>
+                      <m:e>
+                        <m:r>
+                          <a:rPr lang="en-US" altLang="zh-CN" b="0" i="1" smtClean="0">
+                            <a:latin typeface="Cambria Math" panose="02040503050406030204" pitchFamily="18" charset="0"/>
+                          </a:rPr>
+                          <m:t>𝑦</m:t>
+                        </m:r>
+                      </m:e>
+                      <m:sub>
+                        <m:r>
+                          <a:rPr lang="en-US" altLang="zh-CN" b="0" i="1" smtClean="0">
+                            <a:latin typeface="Cambria Math" panose="02040503050406030204" pitchFamily="18" charset="0"/>
+                          </a:rPr>
+                          <m:t>0</m:t>
+                        </m:r>
+                      </m:sub>
+                    </m:sSub>
+                    <m:r>
+                      <a:rPr lang="en-US" altLang="zh-CN" b="0" i="1" smtClean="0">
+                        <a:latin typeface="Cambria Math" panose="02040503050406030204" pitchFamily="18" charset="0"/>
+                      </a:rPr>
+                      <m:t>=0, </m:t>
+                    </m:r>
+                    <m:sSub>
+                      <m:sSubPr>
+                        <m:ctrlPr>
+                          <a:rPr lang="en-US" altLang="zh-CN" b="0" i="1" smtClean="0">
+                            <a:latin typeface="Cambria Math" panose="02040503050406030204" pitchFamily="18" charset="0"/>
+                          </a:rPr>
+                        </m:ctrlPr>
+                      </m:sSubPr>
+                      <m:e>
+                        <m:r>
+                          <a:rPr lang="en-US" altLang="zh-CN" b="0" i="1" smtClean="0">
+                            <a:latin typeface="Cambria Math" panose="02040503050406030204" pitchFamily="18" charset="0"/>
+                          </a:rPr>
+                          <m:t>𝜓</m:t>
+                        </m:r>
+                      </m:e>
+                      <m:sub>
+                        <m:r>
+                          <a:rPr lang="en-US" altLang="zh-CN" b="0" i="1" smtClean="0">
+                            <a:latin typeface="Cambria Math" panose="02040503050406030204" pitchFamily="18" charset="0"/>
+                          </a:rPr>
+                          <m:t>0</m:t>
+                        </m:r>
+                      </m:sub>
+                    </m:sSub>
+                    <m:r>
+                      <a:rPr lang="en-US" altLang="zh-CN" b="0" i="1" smtClean="0">
+                        <a:latin typeface="Cambria Math" panose="02040503050406030204" pitchFamily="18" charset="0"/>
+                      </a:rPr>
+                      <m:t>=30, </m:t>
+                    </m:r>
+                    <m:sSub>
+                      <m:sSubPr>
+                        <m:ctrlPr>
+                          <a:rPr lang="en-US" altLang="zh-CN" b="0" i="1" smtClean="0">
+                            <a:latin typeface="Cambria Math" panose="02040503050406030204" pitchFamily="18" charset="0"/>
+                          </a:rPr>
+                        </m:ctrlPr>
+                      </m:sSubPr>
+                      <m:e>
+                        <m:r>
+                          <a:rPr lang="en-US" altLang="zh-CN" b="0" i="1" smtClean="0">
+                            <a:latin typeface="Cambria Math" panose="02040503050406030204" pitchFamily="18" charset="0"/>
+                          </a:rPr>
+                          <m:t>𝑣</m:t>
+                        </m:r>
+                      </m:e>
+                      <m:sub>
+                        <m:r>
+                          <a:rPr lang="en-US" altLang="zh-CN" b="0" i="1" smtClean="0">
+                            <a:latin typeface="Cambria Math" panose="02040503050406030204" pitchFamily="18" charset="0"/>
+                          </a:rPr>
+                          <m:t>0</m:t>
+                        </m:r>
+                      </m:sub>
+                    </m:sSub>
+                    <m:r>
+                      <a:rPr lang="en-US" altLang="zh-CN" b="0" i="1" smtClean="0">
+                        <a:latin typeface="Cambria Math" panose="02040503050406030204" pitchFamily="18" charset="0"/>
+                      </a:rPr>
+                      <m:t>=3</m:t>
+                    </m:r>
+                  </m:oMath>
+                </a14:m>
+                <a:r>
+                  <a:rPr lang="en-US" altLang="zh-CN" dirty="0" smtClean="0"/>
+                  <a:t>.</a:t>
+                </a:r>
+              </a:p>
+              <a:p>
+                <a:endParaRPr lang="en-US" altLang="zh-CN" dirty="0" smtClean="0"/>
+              </a:p>
+              <a:p>
+                <a:r>
+                  <a:rPr lang="en-US" altLang="zh-CN" dirty="0" smtClean="0"/>
+                  <a:t>The </a:t>
+                </a:r>
+                <a:r>
+                  <a:rPr lang="en-US" altLang="zh-CN" dirty="0" smtClean="0"/>
+                  <a:t>training labels are obtained by calculating the difference between current state variable and next state variable divided by time step. </a:t>
+                </a:r>
+              </a:p>
+            </p:txBody>
+          </p:sp>
+        </mc:Choice>
+        <mc:Fallback>
+          <p:sp>
+            <p:nvSpPr>
+              <p:cNvPr id="3" name="内容占位符 2"/>
+              <p:cNvSpPr>
+                <a:spLocks noGrp="1" noRot="1" noChangeAspect="1" noMove="1" noResize="1" noEditPoints="1" noAdjustHandles="1" noChangeArrowheads="1" noChangeShapeType="1" noTextEdit="1"/>
+              </p:cNvSpPr>
+              <p:nvPr>
+                <p:ph idx="1"/>
+              </p:nvPr>
+            </p:nvSpPr>
+            <p:spPr>
+              <a:blipFill rotWithShape="0">
+                <a:blip r:embed="rId2"/>
+                <a:stretch>
+                  <a:fillRect l="-1043" t="-2241" r="-1565"/>
+                </a:stretch>
+              </a:blipFill>
+            </p:spPr>
+            <p:txBody>
+              <a:bodyPr/>
+              <a:lstStyle/>
+              <a:p>
+                <a:r>
+                  <a:rPr lang="zh-CN" altLang="en-US">
+                    <a:noFill/>
+                  </a:rPr>
+                  <a:t> </a:t>
+                </a:r>
+              </a:p>
+            </p:txBody>
+          </p:sp>
+        </mc:Fallback>
+      </mc:AlternateContent>
     </p:spTree>
     <p:extLst>
       <p:ext uri="{BB962C8B-B14F-4D97-AF65-F5344CB8AC3E}">
-        <p14:creationId xmlns:p14="http://schemas.microsoft.com/office/powerpoint/2010/main" val="2189049263"/>
+        <p14:creationId xmlns:p14="http://schemas.microsoft.com/office/powerpoint/2010/main" val="32173920"/>
       </p:ext>
     </p:extLst>
   </p:cSld>
